--- a/slides/04-langchainjs.pptx
+++ b/slides/04-langchainjs.pptx
@@ -7334,7 +7334,7 @@
           <a:p>
             <a:fld id="{855B53BB-9CA8-4E36-AA7C-C10D869BF69A}" type="datetimeFigureOut">
               <a:rPr lang="en-US" smtClean="0"/>
-              <a:t>8/5/24</a:t>
+              <a:t>9/27/24</a:t>
             </a:fld>
             <a:endParaRPr lang="en-US"/>
           </a:p>
@@ -9690,7 +9690,7 @@
                 <a:tabLst/>
                 <a:defRPr/>
               </a:pPr>
-              <a:t>8/5/24 4:10 PM</a:t>
+              <a:t>9/27/24 3:37 PM</a:t>
             </a:fld>
             <a:endParaRPr kumimoji="0" lang="en-US" sz="1200" b="0" i="0" u="none" strike="noStrike" kern="1200" cap="none" spc="0" normalizeH="0" baseline="0" noProof="0">
               <a:ln>
@@ -10142,7 +10142,7 @@
                 <a:tabLst/>
                 <a:defRPr/>
               </a:pPr>
-              <a:t>8/5/24 4:10 PM</a:t>
+              <a:t>9/27/24 3:37 PM</a:t>
             </a:fld>
             <a:endParaRPr kumimoji="0" lang="en-US" sz="1200" b="0" i="0" u="none" strike="noStrike" kern="1200" cap="none" spc="0" normalizeH="0" baseline="0" noProof="0">
               <a:ln>
@@ -28359,6 +28359,9 @@
               <a:ext uri="{FF2B5EF4-FFF2-40B4-BE49-F238E27FC236}">
                 <a16:creationId xmlns:a16="http://schemas.microsoft.com/office/drawing/2014/main" id="{8D81A72A-137F-4FB3-83AF-E97279388DE9}"/>
               </a:ext>
+              <a:ext uri="{C183D7F6-B498-43B3-948B-1728B52AA6E4}">
+                <adec:decorative xmlns:adec="http://schemas.microsoft.com/office/drawing/2017/decorative" val="1"/>
+              </a:ext>
             </a:extLst>
           </p:cNvPr>
           <p:cNvPicPr>
@@ -28398,30 +28401,172 @@
               <a:ext uri="{FF2B5EF4-FFF2-40B4-BE49-F238E27FC236}">
                 <a16:creationId xmlns:a16="http://schemas.microsoft.com/office/drawing/2014/main" id="{68BCBC4D-BCE8-BC90-E9E2-35B76005C848}"/>
               </a:ext>
+              <a:ext uri="{C183D7F6-B498-43B3-948B-1728B52AA6E4}">
+                <adec:decorative xmlns:adec="http://schemas.microsoft.com/office/drawing/2017/decorative" val="1"/>
+              </a:ext>
             </a:extLst>
           </p:cNvPr>
           <p:cNvSpPr>
-            <a:spLocks noGrp="1"/>
+            <a:spLocks/>
           </p:cNvSpPr>
-          <p:nvPr>
-            <p:ph type="title"/>
-          </p:nvPr>
+          <p:nvPr/>
         </p:nvSpPr>
         <p:spPr>
           <a:xfrm>
             <a:off x="588263" y="457200"/>
             <a:ext cx="11018520" cy="553998"/>
           </a:xfrm>
+          <a:prstGeom prst="rect">
+            <a:avLst/>
+          </a:prstGeom>
+          <a:noFill/>
+          <a:ln>
+            <a:noFill/>
+            <a:prstDash/>
+          </a:ln>
+          <a:effectLst/>
         </p:spPr>
         <p:txBody>
-          <a:bodyPr wrap="square" anchor="t">
+          <a:bodyPr rot="0" spcFirstLastPara="0" vertOverflow="overflow" horzOverflow="overflow" vert="horz" wrap="square" lIns="0" tIns="0" rIns="0" bIns="0" numCol="1" spcCol="0" rtlCol="0" fromWordArt="0" anchor="t" anchorCtr="0" forceAA="0" compatLnSpc="1">
+            <a:prstTxWarp prst="textNoShape">
+              <a:avLst/>
+            </a:prstTxWarp>
             <a:normAutofit/>
           </a:bodyPr>
           <a:lstStyle/>
           <a:p>
-            <a:r>
-              <a:rPr lang="en-US" dirty="0"/>
+            <a:pPr marL="0" marR="0" lvl="0" indent="0" algn="l" defTabSz="932742" rtl="0" eaLnBrk="1" fontAlgn="auto" latinLnBrk="0" hangingPunct="1">
+              <a:lnSpc>
+                <a:spcPct val="100000"/>
+              </a:lnSpc>
+              <a:spcBef>
+                <a:spcPct val="0"/>
+              </a:spcBef>
+              <a:spcAft>
+                <a:spcPts val="0"/>
+              </a:spcAft>
+              <a:buClrTx/>
+              <a:buSzTx/>
+              <a:buFontTx/>
+              <a:buNone/>
+              <a:tabLst/>
+              <a:defRPr/>
+            </a:pPr>
+            <a:r>
+              <a:rPr kumimoji="0" lang="en-US" sz="3600" b="0" i="0" u="none" strike="noStrike" kern="1200" cap="none" spc="-50" normalizeH="0" baseline="0" noProof="0" dirty="0">
+                <a:ln w="3175">
+                  <a:noFill/>
+                </a:ln>
+                <a:solidFill>
+                  <a:schemeClr val="tx2"/>
+                </a:solidFill>
+                <a:effectLst/>
+                <a:uLnTx/>
+                <a:uFillTx/>
+                <a:latin typeface="+mj-lt"/>
+                <a:ea typeface="+mn-ea"/>
+                <a:cs typeface="Segoe UI" pitchFamily="34" charset="0"/>
+              </a:rPr>
               <a:t>Ask YouTube API</a:t>
+            </a:r>
+          </a:p>
+        </p:txBody>
+      </p:sp>
+      <p:sp>
+        <p:nvSpPr>
+          <p:cNvPr id="2" name="Title 2">
+            <a:extLst>
+              <a:ext uri="{FF2B5EF4-FFF2-40B4-BE49-F238E27FC236}">
+                <a16:creationId xmlns:a16="http://schemas.microsoft.com/office/drawing/2014/main" id="{906C744F-DCF8-5FFE-C6F9-79DC1253EE02}"/>
+              </a:ext>
+            </a:extLst>
+          </p:cNvPr>
+          <p:cNvSpPr txBox="1">
+            <a:spLocks noGrp="1"/>
+          </p:cNvSpPr>
+          <p:nvPr>
+            <p:ph type="title" idx="4294967295"/>
+          </p:nvPr>
+        </p:nvSpPr>
+        <p:spPr>
+          <a:xfrm>
+            <a:off x="141056" y="7097672"/>
+            <a:ext cx="11018520" cy="553998"/>
+          </a:xfrm>
+          <a:prstGeom prst="rect">
+            <a:avLst/>
+          </a:prstGeom>
+          <a:noFill/>
+          <a:ln>
+            <a:noFill/>
+            <a:prstDash/>
+          </a:ln>
+          <a:effectLst/>
+        </p:spPr>
+        <p:txBody>
+          <a:bodyPr rot="0" spcFirstLastPara="0" vertOverflow="overflow" horzOverflow="overflow" vert="horz" wrap="square" lIns="0" tIns="0" rIns="0" bIns="0" numCol="1" spcCol="0" rtlCol="0" fromWordArt="0" anchor="t" anchorCtr="0" forceAA="0" compatLnSpc="1">
+            <a:prstTxWarp prst="textNoShape">
+              <a:avLst/>
+            </a:prstTxWarp>
+            <a:normAutofit/>
+          </a:bodyPr>
+          <a:lstStyle>
+            <a:lvl1pPr algn="l" defTabSz="932742" rtl="0" eaLnBrk="1" latinLnBrk="0" hangingPunct="1">
+              <a:lnSpc>
+                <a:spcPct val="100000"/>
+              </a:lnSpc>
+              <a:spcBef>
+                <a:spcPct val="0"/>
+              </a:spcBef>
+              <a:buNone/>
+              <a:defRPr lang="en-US" sz="3600" b="0" kern="1200" cap="none" spc="-50" baseline="0">
+                <a:ln w="3175">
+                  <a:noFill/>
+                </a:ln>
+                <a:solidFill>
+                  <a:schemeClr val="tx2"/>
+                </a:solidFill>
+                <a:effectLst/>
+                <a:latin typeface="+mj-lt"/>
+                <a:ea typeface="+mn-ea"/>
+                <a:cs typeface="Segoe UI" pitchFamily="34" charset="0"/>
+              </a:defRPr>
+            </a:lvl1pPr>
+          </a:lstStyle>
+          <a:p>
+            <a:pPr marL="0" marR="0" lvl="0" indent="0" algn="l" defTabSz="932742" rtl="0" eaLnBrk="1" fontAlgn="auto" latinLnBrk="0" hangingPunct="1">
+              <a:lnSpc>
+                <a:spcPct val="100000"/>
+              </a:lnSpc>
+              <a:spcBef>
+                <a:spcPct val="0"/>
+              </a:spcBef>
+              <a:spcAft>
+                <a:spcPts val="0"/>
+              </a:spcAft>
+              <a:buClrTx/>
+              <a:buSzTx/>
+              <a:buFontTx/>
+              <a:buNone/>
+              <a:tabLst/>
+              <a:defRPr/>
+            </a:pPr>
+            <a:r>
+              <a:rPr kumimoji="0" lang="en-GB" sz="2400" b="0" i="0" u="none" strike="noStrike" kern="1200" cap="none" spc="-50" normalizeH="0" baseline="0" noProof="0" dirty="0">
+                <a:ln w="3175">
+                  <a:noFill/>
+                </a:ln>
+                <a:solidFill>
+                  <a:schemeClr val="tx1"/>
+                </a:solidFill>
+                <a:effectLst/>
+                <a:uLnTx/>
+                <a:uFillTx/>
+                <a:latin typeface="+mn-lt"/>
+                <a:ea typeface="+mn-ea"/>
+                <a:cs typeface="Segoe UI" pitchFamily="34" charset="0"/>
+              </a:rPr>
+              <a:t>Ask YouTube API workflow</a:t>
             </a:r>
           </a:p>
         </p:txBody>
@@ -29064,6 +29209,9 @@
               <a:ext uri="{FF2B5EF4-FFF2-40B4-BE49-F238E27FC236}">
                 <a16:creationId xmlns:a16="http://schemas.microsoft.com/office/drawing/2014/main" id="{6AF7944D-13E1-F8C7-0B49-FF9BA9F22D7E}"/>
               </a:ext>
+              <a:ext uri="{C183D7F6-B498-43B3-948B-1728B52AA6E4}">
+                <adec:decorative xmlns:adec="http://schemas.microsoft.com/office/drawing/2017/decorative" val="1"/>
+              </a:ext>
             </a:extLst>
           </p:cNvPr>
           <p:cNvSpPr/>
@@ -29134,6 +29282,9 @@
             <a:extLst>
               <a:ext uri="{FF2B5EF4-FFF2-40B4-BE49-F238E27FC236}">
                 <a16:creationId xmlns:a16="http://schemas.microsoft.com/office/drawing/2014/main" id="{0EF48126-6F06-1877-9944-6904E1D7EBBA}"/>
+              </a:ext>
+              <a:ext uri="{C183D7F6-B498-43B3-948B-1728B52AA6E4}">
+                <adec:decorative xmlns:adec="http://schemas.microsoft.com/office/drawing/2017/decorative" val="1"/>
               </a:ext>
             </a:extLst>
           </p:cNvPr>
@@ -29275,7 +29426,7 @@
       </p:grpSpPr>
       <p:pic>
         <p:nvPicPr>
-          <p:cNvPr id="1026" name="Picture 2">
+          <p:cNvPr id="1026" name="Picture 2" descr="A schema show a process: from an idea, to a prototype, to production">
             <a:extLst>
               <a:ext uri="{FF2B5EF4-FFF2-40B4-BE49-F238E27FC236}">
                 <a16:creationId xmlns:a16="http://schemas.microsoft.com/office/drawing/2014/main" id="{6F16C937-DA5E-A5D7-106C-0336CD652554}"/>
@@ -29327,6 +29478,9 @@
               <a:ext uri="{FF2B5EF4-FFF2-40B4-BE49-F238E27FC236}">
                 <a16:creationId xmlns:a16="http://schemas.microsoft.com/office/drawing/2014/main" id="{9AF08362-45BE-1231-2426-FD6F4F4DFA4F}"/>
               </a:ext>
+              <a:ext uri="{C183D7F6-B498-43B3-948B-1728B52AA6E4}">
+                <adec:decorative xmlns:adec="http://schemas.microsoft.com/office/drawing/2017/decorative" val="1"/>
+              </a:ext>
             </a:extLst>
           </p:cNvPr>
           <p:cNvSpPr/>
@@ -29397,6 +29551,9 @@
             <a:extLst>
               <a:ext uri="{FF2B5EF4-FFF2-40B4-BE49-F238E27FC236}">
                 <a16:creationId xmlns:a16="http://schemas.microsoft.com/office/drawing/2014/main" id="{2F9875A1-6499-AD1A-AC2D-7D738AA11DDF}"/>
+              </a:ext>
+              <a:ext uri="{C183D7F6-B498-43B3-948B-1728B52AA6E4}">
+                <adec:decorative xmlns:adec="http://schemas.microsoft.com/office/drawing/2017/decorative" val="1"/>
               </a:ext>
             </a:extLst>
           </p:cNvPr>
@@ -29469,25 +29626,201 @@
               <a:ext uri="{FF2B5EF4-FFF2-40B4-BE49-F238E27FC236}">
                 <a16:creationId xmlns:a16="http://schemas.microsoft.com/office/drawing/2014/main" id="{FCBEF4BC-0E15-89E6-2433-053B4F239838}"/>
               </a:ext>
+              <a:ext uri="{C183D7F6-B498-43B3-948B-1728B52AA6E4}">
+                <adec:decorative xmlns:adec="http://schemas.microsoft.com/office/drawing/2017/decorative" val="1"/>
+              </a:ext>
             </a:extLst>
           </p:cNvPr>
           <p:cNvSpPr>
+            <a:spLocks/>
+          </p:cNvSpPr>
+          <p:nvPr/>
+        </p:nvSpPr>
+        <p:spPr>
+          <a:xfrm>
+            <a:off x="588263" y="457200"/>
+            <a:ext cx="11018520" cy="553998"/>
+          </a:xfrm>
+          <a:prstGeom prst="rect">
+            <a:avLst/>
+          </a:prstGeom>
+          <a:noFill/>
+          <a:ln>
+            <a:noFill/>
+            <a:prstDash/>
+          </a:ln>
+          <a:effectLst/>
+        </p:spPr>
+        <p:txBody>
+          <a:bodyPr rot="0" spcFirstLastPara="0" vertOverflow="overflow" horzOverflow="overflow" vert="horz" wrap="square" lIns="0" tIns="0" rIns="0" bIns="0" numCol="1" spcCol="0" rtlCol="0" fromWordArt="0" anchor="t" anchorCtr="0" forceAA="0" compatLnSpc="1">
+            <a:prstTxWarp prst="textNoShape">
+              <a:avLst/>
+            </a:prstTxWarp>
+            <a:spAutoFit/>
+          </a:bodyPr>
+          <a:lstStyle/>
+          <a:p>
+            <a:pPr marL="0" marR="0" lvl="0" indent="0" algn="l" defTabSz="932742" rtl="0" eaLnBrk="1" fontAlgn="auto" latinLnBrk="0" hangingPunct="1">
+              <a:lnSpc>
+                <a:spcPct val="100000"/>
+              </a:lnSpc>
+              <a:spcBef>
+                <a:spcPct val="0"/>
+              </a:spcBef>
+              <a:spcAft>
+                <a:spcPts val="0"/>
+              </a:spcAft>
+              <a:buClrTx/>
+              <a:buSzTx/>
+              <a:buFontTx/>
+              <a:buNone/>
+              <a:tabLst/>
+              <a:defRPr/>
+            </a:pPr>
+            <a:r>
+              <a:rPr kumimoji="0" lang="en-GB" sz="3600" b="0" i="0" u="none" strike="noStrike" kern="1200" cap="none" spc="-50" normalizeH="0" baseline="0" noProof="0" dirty="0">
+                <a:ln w="3175">
+                  <a:noFill/>
+                </a:ln>
+                <a:solidFill>
+                  <a:schemeClr val="tx2"/>
+                </a:solidFill>
+                <a:effectLst/>
+                <a:uLnTx/>
+                <a:uFillTx/>
+                <a:latin typeface="+mj-lt"/>
+                <a:ea typeface="+mn-ea"/>
+                <a:cs typeface="Segoe UI" pitchFamily="34" charset="0"/>
+              </a:rPr>
+              <a:t>Developing AI applications</a:t>
+            </a:r>
+            <a:endParaRPr kumimoji="0" lang="en-FR" sz="3600" b="0" i="0" u="none" strike="noStrike" kern="1200" cap="none" spc="-50" normalizeH="0" baseline="0" noProof="0" dirty="0">
+              <a:ln w="3175">
+                <a:noFill/>
+              </a:ln>
+              <a:solidFill>
+                <a:schemeClr val="tx2"/>
+              </a:solidFill>
+              <a:effectLst/>
+              <a:uLnTx/>
+              <a:uFillTx/>
+              <a:latin typeface="+mj-lt"/>
+              <a:ea typeface="+mn-ea"/>
+              <a:cs typeface="Segoe UI" pitchFamily="34" charset="0"/>
+            </a:endParaRPr>
+          </a:p>
+        </p:txBody>
+      </p:sp>
+      <p:sp>
+        <p:nvSpPr>
+          <p:cNvPr id="3" name="Title 1">
+            <a:extLst>
+              <a:ext uri="{FF2B5EF4-FFF2-40B4-BE49-F238E27FC236}">
+                <a16:creationId xmlns:a16="http://schemas.microsoft.com/office/drawing/2014/main" id="{E4367C10-9B3C-11C2-2B31-4828B7D7B7F4}"/>
+              </a:ext>
+            </a:extLst>
+          </p:cNvPr>
+          <p:cNvSpPr txBox="1">
             <a:spLocks noGrp="1"/>
           </p:cNvSpPr>
           <p:nvPr>
-            <p:ph type="title"/>
+            <p:ph type="title" idx="4294967295"/>
           </p:nvPr>
         </p:nvSpPr>
-        <p:spPr/>
+        <p:spPr>
+          <a:xfrm>
+            <a:off x="122047" y="7120645"/>
+            <a:ext cx="11018520" cy="369332"/>
+          </a:xfrm>
+          <a:prstGeom prst="rect">
+            <a:avLst/>
+          </a:prstGeom>
+          <a:noFill/>
+          <a:ln>
+            <a:noFill/>
+            <a:prstDash/>
+          </a:ln>
+          <a:effectLst/>
+        </p:spPr>
         <p:txBody>
-          <a:bodyPr/>
-          <a:lstStyle/>
-          <a:p>
-            <a:r>
-              <a:rPr lang="en-GB" dirty="0"/>
-              <a:t>Developing AI applications</a:t>
-            </a:r>
-            <a:endParaRPr lang="en-FR" dirty="0"/>
+          <a:bodyPr rot="0" spcFirstLastPara="0" vertOverflow="overflow" horzOverflow="overflow" vert="horz" wrap="square" lIns="0" tIns="0" rIns="0" bIns="0" numCol="1" spcCol="0" rtlCol="0" fromWordArt="0" anchor="t" anchorCtr="0" forceAA="0" compatLnSpc="1">
+            <a:prstTxWarp prst="textNoShape">
+              <a:avLst/>
+            </a:prstTxWarp>
+            <a:spAutoFit/>
+          </a:bodyPr>
+          <a:lstStyle>
+            <a:lvl1pPr algn="l" defTabSz="932742" rtl="0" eaLnBrk="1" latinLnBrk="0" hangingPunct="1">
+              <a:lnSpc>
+                <a:spcPct val="100000"/>
+              </a:lnSpc>
+              <a:spcBef>
+                <a:spcPct val="0"/>
+              </a:spcBef>
+              <a:buNone/>
+              <a:defRPr lang="en-US" sz="3600" b="0" kern="1200" cap="none" spc="-50" baseline="0" dirty="0" smtClean="0">
+                <a:ln w="3175">
+                  <a:noFill/>
+                </a:ln>
+                <a:solidFill>
+                  <a:schemeClr val="tx2"/>
+                </a:solidFill>
+                <a:effectLst/>
+                <a:latin typeface="+mj-lt"/>
+                <a:ea typeface="+mn-ea"/>
+                <a:cs typeface="Segoe UI" pitchFamily="34" charset="0"/>
+              </a:defRPr>
+            </a:lvl1pPr>
+          </a:lstStyle>
+          <a:p>
+            <a:pPr marL="0" marR="0" lvl="0" indent="0" algn="l" defTabSz="932742" rtl="0" eaLnBrk="1" fontAlgn="auto" latinLnBrk="0" hangingPunct="1">
+              <a:lnSpc>
+                <a:spcPct val="100000"/>
+              </a:lnSpc>
+              <a:spcBef>
+                <a:spcPct val="0"/>
+              </a:spcBef>
+              <a:spcAft>
+                <a:spcPts val="0"/>
+              </a:spcAft>
+              <a:buClrTx/>
+              <a:buSzTx/>
+              <a:buFontTx/>
+              <a:buNone/>
+              <a:tabLst/>
+              <a:defRPr/>
+            </a:pPr>
+            <a:r>
+              <a:rPr kumimoji="0" lang="en-GB" sz="2400" b="0" i="0" u="none" strike="noStrike" kern="1200" cap="none" spc="-50" normalizeH="0" baseline="0" noProof="0" dirty="0">
+                <a:ln w="3175">
+                  <a:noFill/>
+                </a:ln>
+                <a:solidFill>
+                  <a:schemeClr val="tx1"/>
+                </a:solidFill>
+                <a:effectLst/>
+                <a:uLnTx/>
+                <a:uFillTx/>
+                <a:latin typeface="+mn-lt"/>
+                <a:ea typeface="+mn-ea"/>
+                <a:cs typeface="Segoe UI" pitchFamily="34" charset="0"/>
+              </a:rPr>
+              <a:t>The process of developing AI applications</a:t>
+            </a:r>
+            <a:endParaRPr kumimoji="0" lang="en-FR" sz="2400" b="0" i="0" u="none" strike="noStrike" kern="1200" cap="none" spc="-50" normalizeH="0" baseline="0" noProof="0" dirty="0">
+              <a:ln w="3175">
+                <a:noFill/>
+              </a:ln>
+              <a:solidFill>
+                <a:schemeClr val="tx1"/>
+              </a:solidFill>
+              <a:effectLst/>
+              <a:uLnTx/>
+              <a:uFillTx/>
+              <a:latin typeface="+mn-lt"/>
+              <a:ea typeface="+mn-ea"/>
+              <a:cs typeface="Segoe UI" pitchFamily="34" charset="0"/>
+            </a:endParaRPr>
           </a:p>
         </p:txBody>
       </p:sp>
@@ -29680,13 +30013,16 @@
               <a:ext uri="{FF2B5EF4-FFF2-40B4-BE49-F238E27FC236}">
                 <a16:creationId xmlns:a16="http://schemas.microsoft.com/office/drawing/2014/main" id="{B26F9259-7C18-BC60-40E6-DDF2C07E2FAE}"/>
               </a:ext>
+              <a:ext uri="{C183D7F6-B498-43B3-948B-1728B52AA6E4}">
+                <adec:decorative xmlns:adec="http://schemas.microsoft.com/office/drawing/2017/decorative" val="1"/>
+              </a:ext>
             </a:extLst>
           </p:cNvPr>
           <p:cNvGraphicFramePr/>
           <p:nvPr>
             <p:extLst>
               <p:ext uri="{D42A27DB-BD31-4B8C-83A1-F6EECF244321}">
-                <p14:modId xmlns:p14="http://schemas.microsoft.com/office/powerpoint/2010/main" val="55049229"/>
+                <p14:modId xmlns:p14="http://schemas.microsoft.com/office/powerpoint/2010/main" val="563147667"/>
               </p:ext>
             </p:extLst>
           </p:nvPr>
@@ -29707,6 +30043,9 @@
             <a:extLst>
               <a:ext uri="{FF2B5EF4-FFF2-40B4-BE49-F238E27FC236}">
                 <a16:creationId xmlns:a16="http://schemas.microsoft.com/office/drawing/2014/main" id="{B8A79321-4505-1673-7C94-24571BDE3A56}"/>
+              </a:ext>
+              <a:ext uri="{C183D7F6-B498-43B3-948B-1728B52AA6E4}">
+                <adec:decorative xmlns:adec="http://schemas.microsoft.com/office/drawing/2017/decorative" val="1"/>
               </a:ext>
             </a:extLst>
           </p:cNvPr>
@@ -29779,6 +30118,9 @@
               <a:ext uri="{FF2B5EF4-FFF2-40B4-BE49-F238E27FC236}">
                 <a16:creationId xmlns:a16="http://schemas.microsoft.com/office/drawing/2014/main" id="{7A42B4DA-BB49-5147-28A0-43CF7712AF9D}"/>
               </a:ext>
+              <a:ext uri="{C183D7F6-B498-43B3-948B-1728B52AA6E4}">
+                <adec:decorative xmlns:adec="http://schemas.microsoft.com/office/drawing/2017/decorative" val="1"/>
+              </a:ext>
             </a:extLst>
           </p:cNvPr>
           <p:cNvSpPr/>
@@ -29849,6 +30191,9 @@
             <a:extLst>
               <a:ext uri="{FF2B5EF4-FFF2-40B4-BE49-F238E27FC236}">
                 <a16:creationId xmlns:a16="http://schemas.microsoft.com/office/drawing/2014/main" id="{40910C20-80F1-6708-BE64-F504A65B2906}"/>
+              </a:ext>
+              <a:ext uri="{C183D7F6-B498-43B3-948B-1728B52AA6E4}">
+                <adec:decorative xmlns:adec="http://schemas.microsoft.com/office/drawing/2017/decorative" val="1"/>
               </a:ext>
             </a:extLst>
           </p:cNvPr>
@@ -29921,6 +30266,9 @@
               <a:ext uri="{FF2B5EF4-FFF2-40B4-BE49-F238E27FC236}">
                 <a16:creationId xmlns:a16="http://schemas.microsoft.com/office/drawing/2014/main" id="{2E0A71EC-65B7-337C-D399-85AF7BC48A3C}"/>
               </a:ext>
+              <a:ext uri="{C183D7F6-B498-43B3-948B-1728B52AA6E4}">
+                <adec:decorative xmlns:adec="http://schemas.microsoft.com/office/drawing/2017/decorative" val="1"/>
+              </a:ext>
             </a:extLst>
           </p:cNvPr>
           <p:cNvSpPr/>
@@ -29987,6 +30335,45 @@
       </p:sp>
       <p:sp>
         <p:nvSpPr>
+          <p:cNvPr id="9" name="TextBox 8">
+            <a:extLst>
+              <a:ext uri="{FF2B5EF4-FFF2-40B4-BE49-F238E27FC236}">
+                <a16:creationId xmlns:a16="http://schemas.microsoft.com/office/drawing/2014/main" id="{3625FAD7-89AC-79B1-2331-12BAF45AE0FE}"/>
+              </a:ext>
+            </a:extLst>
+          </p:cNvPr>
+          <p:cNvSpPr txBox="1"/>
+          <p:nvPr/>
+        </p:nvSpPr>
+        <p:spPr>
+          <a:xfrm>
+            <a:off x="2686085" y="3973725"/>
+            <a:ext cx="6814750" cy="584775"/>
+          </a:xfrm>
+          <a:prstGeom prst="rect">
+            <a:avLst/>
+          </a:prstGeom>
+          <a:noFill/>
+        </p:spPr>
+        <p:txBody>
+          <a:bodyPr wrap="square">
+            <a:spAutoFit/>
+          </a:bodyPr>
+          <a:lstStyle/>
+          <a:p>
+            <a:pPr algn="ctr"/>
+            <a:r>
+              <a:rPr lang="en-GB" sz="3200" dirty="0">
+                <a:hlinkClick r:id="rId8"/>
+              </a:rPr>
+              <a:t>https://js.langchain.com</a:t>
+            </a:r>
+            <a:endParaRPr lang="en-FR" sz="3200" dirty="0"/>
+          </a:p>
+        </p:txBody>
+      </p:sp>
+      <p:sp>
+        <p:nvSpPr>
           <p:cNvPr id="2" name="Title 1">
             <a:extLst>
               <a:ext uri="{FF2B5EF4-FFF2-40B4-BE49-F238E27FC236}">
@@ -30018,45 +30405,6 @@
               <a:rPr lang="en-FR" sz="5400" dirty="0"/>
               <a:t>LangChain.js</a:t>
             </a:r>
-          </a:p>
-        </p:txBody>
-      </p:sp>
-      <p:sp>
-        <p:nvSpPr>
-          <p:cNvPr id="9" name="TextBox 8">
-            <a:extLst>
-              <a:ext uri="{FF2B5EF4-FFF2-40B4-BE49-F238E27FC236}">
-                <a16:creationId xmlns:a16="http://schemas.microsoft.com/office/drawing/2014/main" id="{3625FAD7-89AC-79B1-2331-12BAF45AE0FE}"/>
-              </a:ext>
-            </a:extLst>
-          </p:cNvPr>
-          <p:cNvSpPr txBox="1"/>
-          <p:nvPr/>
-        </p:nvSpPr>
-        <p:spPr>
-          <a:xfrm>
-            <a:off x="2686085" y="3973725"/>
-            <a:ext cx="6814750" cy="584775"/>
-          </a:xfrm>
-          <a:prstGeom prst="rect">
-            <a:avLst/>
-          </a:prstGeom>
-          <a:noFill/>
-        </p:spPr>
-        <p:txBody>
-          <a:bodyPr wrap="square">
-            <a:spAutoFit/>
-          </a:bodyPr>
-          <a:lstStyle/>
-          <a:p>
-            <a:pPr algn="ctr"/>
-            <a:r>
-              <a:rPr lang="en-GB" sz="3200" dirty="0">
-                <a:hlinkClick r:id="rId8"/>
-              </a:rPr>
-              <a:t>https://js.langchain.com</a:t>
-            </a:r>
-            <a:endParaRPr lang="en-FR" sz="3200" dirty="0"/>
           </a:p>
         </p:txBody>
       </p:sp>
@@ -30115,10 +30463,19 @@
               <a:ext uri="{FF2B5EF4-FFF2-40B4-BE49-F238E27FC236}">
                 <a16:creationId xmlns:a16="http://schemas.microsoft.com/office/drawing/2014/main" id="{0CDFCB7D-5447-6670-75A1-8A9F8C65705B}"/>
               </a:ext>
+              <a:ext uri="{C183D7F6-B498-43B3-948B-1728B52AA6E4}">
+                <adec:decorative xmlns:adec="http://schemas.microsoft.com/office/drawing/2017/decorative" val="1"/>
+              </a:ext>
             </a:extLst>
           </p:cNvPr>
           <p:cNvGraphicFramePr/>
-          <p:nvPr/>
+          <p:nvPr>
+            <p:extLst>
+              <p:ext uri="{D42A27DB-BD31-4B8C-83A1-F6EECF244321}">
+                <p14:modId xmlns:p14="http://schemas.microsoft.com/office/powerpoint/2010/main" val="1753796633"/>
+              </p:ext>
+            </p:extLst>
+          </p:nvPr>
         </p:nvGraphicFramePr>
         <p:xfrm>
           <a:off x="584200" y="1435100"/>
@@ -30136,6 +30493,9 @@
             <a:extLst>
               <a:ext uri="{FF2B5EF4-FFF2-40B4-BE49-F238E27FC236}">
                 <a16:creationId xmlns:a16="http://schemas.microsoft.com/office/drawing/2014/main" id="{EA124A9E-3236-CF90-86EB-FF86DCDF60C3}"/>
+              </a:ext>
+              <a:ext uri="{C183D7F6-B498-43B3-948B-1728B52AA6E4}">
+                <adec:decorative xmlns:adec="http://schemas.microsoft.com/office/drawing/2017/decorative" val="1"/>
               </a:ext>
             </a:extLst>
           </p:cNvPr>
@@ -30208,6 +30568,9 @@
               <a:ext uri="{FF2B5EF4-FFF2-40B4-BE49-F238E27FC236}">
                 <a16:creationId xmlns:a16="http://schemas.microsoft.com/office/drawing/2014/main" id="{321F9B00-851C-3B7B-C021-6FAB99168C92}"/>
               </a:ext>
+              <a:ext uri="{C183D7F6-B498-43B3-948B-1728B52AA6E4}">
+                <adec:decorative xmlns:adec="http://schemas.microsoft.com/office/drawing/2017/decorative" val="1"/>
+              </a:ext>
             </a:extLst>
           </p:cNvPr>
           <p:cNvSpPr/>
@@ -30278,6 +30641,9 @@
             <a:extLst>
               <a:ext uri="{FF2B5EF4-FFF2-40B4-BE49-F238E27FC236}">
                 <a16:creationId xmlns:a16="http://schemas.microsoft.com/office/drawing/2014/main" id="{3B8F6AF6-B3AB-F906-FA2B-E46E87BA73B3}"/>
+              </a:ext>
+              <a:ext uri="{C183D7F6-B498-43B3-948B-1728B52AA6E4}">
+                <adec:decorative xmlns:adec="http://schemas.microsoft.com/office/drawing/2017/decorative" val="1"/>
               </a:ext>
             </a:extLst>
           </p:cNvPr>
@@ -30350,6 +30716,9 @@
               <a:ext uri="{FF2B5EF4-FFF2-40B4-BE49-F238E27FC236}">
                 <a16:creationId xmlns:a16="http://schemas.microsoft.com/office/drawing/2014/main" id="{93DBDF69-8633-5CDC-E246-F0C0384A797B}"/>
               </a:ext>
+              <a:ext uri="{C183D7F6-B498-43B3-948B-1728B52AA6E4}">
+                <adec:decorative xmlns:adec="http://schemas.microsoft.com/office/drawing/2017/decorative" val="1"/>
+              </a:ext>
             </a:extLst>
           </p:cNvPr>
           <p:cNvSpPr/>
@@ -30421,30 +30790,172 @@
               <a:ext uri="{FF2B5EF4-FFF2-40B4-BE49-F238E27FC236}">
                 <a16:creationId xmlns:a16="http://schemas.microsoft.com/office/drawing/2014/main" id="{BC9AA173-F8FE-7193-CCE8-1792C68B0210}"/>
               </a:ext>
+              <a:ext uri="{C183D7F6-B498-43B3-948B-1728B52AA6E4}">
+                <adec:decorative xmlns:adec="http://schemas.microsoft.com/office/drawing/2017/decorative" val="1"/>
+              </a:ext>
             </a:extLst>
           </p:cNvPr>
           <p:cNvSpPr>
-            <a:spLocks noGrp="1"/>
+            <a:spLocks/>
           </p:cNvSpPr>
-          <p:nvPr>
-            <p:ph type="title"/>
-          </p:nvPr>
+          <p:nvPr/>
         </p:nvSpPr>
         <p:spPr>
           <a:xfrm>
             <a:off x="588263" y="457200"/>
             <a:ext cx="11018520" cy="553998"/>
           </a:xfrm>
+          <a:prstGeom prst="rect">
+            <a:avLst/>
+          </a:prstGeom>
+          <a:noFill/>
+          <a:ln>
+            <a:noFill/>
+            <a:prstDash/>
+          </a:ln>
+          <a:effectLst/>
         </p:spPr>
         <p:txBody>
-          <a:bodyPr wrap="square" anchor="t">
+          <a:bodyPr rot="0" spcFirstLastPara="0" vertOverflow="overflow" horzOverflow="overflow" vert="horz" wrap="square" lIns="0" tIns="0" rIns="0" bIns="0" numCol="1" spcCol="0" rtlCol="0" fromWordArt="0" anchor="t" anchorCtr="0" forceAA="0" compatLnSpc="1">
+            <a:prstTxWarp prst="textNoShape">
+              <a:avLst/>
+            </a:prstTxWarp>
             <a:normAutofit/>
           </a:bodyPr>
           <a:lstStyle/>
           <a:p>
-            <a:r>
-              <a:rPr lang="en-FR" dirty="0"/>
+            <a:pPr marL="0" marR="0" lvl="0" indent="0" algn="l" defTabSz="932742" rtl="0" eaLnBrk="1" fontAlgn="auto" latinLnBrk="0" hangingPunct="1">
+              <a:lnSpc>
+                <a:spcPct val="100000"/>
+              </a:lnSpc>
+              <a:spcBef>
+                <a:spcPct val="0"/>
+              </a:spcBef>
+              <a:spcAft>
+                <a:spcPts val="0"/>
+              </a:spcAft>
+              <a:buClrTx/>
+              <a:buSzTx/>
+              <a:buFontTx/>
+              <a:buNone/>
+              <a:tabLst/>
+              <a:defRPr/>
+            </a:pPr>
+            <a:r>
+              <a:rPr kumimoji="0" lang="en-FR" sz="3600" b="0" i="0" u="none" strike="noStrike" kern="1200" cap="none" spc="-50" normalizeH="0" baseline="0" noProof="0" dirty="0">
+                <a:ln w="3175">
+                  <a:noFill/>
+                </a:ln>
+                <a:solidFill>
+                  <a:schemeClr val="tx2"/>
+                </a:solidFill>
+                <a:effectLst/>
+                <a:uLnTx/>
+                <a:uFillTx/>
+                <a:latin typeface="+mj-lt"/>
+                <a:ea typeface="+mn-ea"/>
+                <a:cs typeface="Segoe UI" pitchFamily="34" charset="0"/>
+              </a:rPr>
               <a:t>LangChain.js</a:t>
+            </a:r>
+          </a:p>
+        </p:txBody>
+      </p:sp>
+      <p:sp>
+        <p:nvSpPr>
+          <p:cNvPr id="8" name="Title 1">
+            <a:extLst>
+              <a:ext uri="{FF2B5EF4-FFF2-40B4-BE49-F238E27FC236}">
+                <a16:creationId xmlns:a16="http://schemas.microsoft.com/office/drawing/2014/main" id="{050BFD99-AE58-CD84-0C1D-AD1C84AD93A4}"/>
+              </a:ext>
+            </a:extLst>
+          </p:cNvPr>
+          <p:cNvSpPr txBox="1">
+            <a:spLocks noGrp="1"/>
+          </p:cNvSpPr>
+          <p:nvPr>
+            <p:ph type="title" idx="4294967295"/>
+          </p:nvPr>
+        </p:nvSpPr>
+        <p:spPr>
+          <a:xfrm>
+            <a:off x="111077" y="7053641"/>
+            <a:ext cx="11018520" cy="553998"/>
+          </a:xfrm>
+          <a:prstGeom prst="rect">
+            <a:avLst/>
+          </a:prstGeom>
+          <a:noFill/>
+          <a:ln>
+            <a:noFill/>
+            <a:prstDash/>
+          </a:ln>
+          <a:effectLst/>
+        </p:spPr>
+        <p:txBody>
+          <a:bodyPr rot="0" spcFirstLastPara="0" vertOverflow="overflow" horzOverflow="overflow" vert="horz" wrap="square" lIns="0" tIns="0" rIns="0" bIns="0" numCol="1" spcCol="0" rtlCol="0" fromWordArt="0" anchor="t" anchorCtr="0" forceAA="0" compatLnSpc="1">
+            <a:prstTxWarp prst="textNoShape">
+              <a:avLst/>
+            </a:prstTxWarp>
+            <a:normAutofit/>
+          </a:bodyPr>
+          <a:lstStyle>
+            <a:lvl1pPr algn="l" defTabSz="932742" rtl="0" eaLnBrk="1" latinLnBrk="0" hangingPunct="1">
+              <a:lnSpc>
+                <a:spcPct val="100000"/>
+              </a:lnSpc>
+              <a:spcBef>
+                <a:spcPct val="0"/>
+              </a:spcBef>
+              <a:buNone/>
+              <a:defRPr lang="en-US" sz="3600" b="0" kern="1200" cap="none" spc="-50" baseline="0">
+                <a:ln w="3175">
+                  <a:noFill/>
+                </a:ln>
+                <a:solidFill>
+                  <a:schemeClr val="tx2"/>
+                </a:solidFill>
+                <a:effectLst/>
+                <a:latin typeface="+mj-lt"/>
+                <a:ea typeface="+mn-ea"/>
+                <a:cs typeface="Segoe UI" pitchFamily="34" charset="0"/>
+              </a:defRPr>
+            </a:lvl1pPr>
+          </a:lstStyle>
+          <a:p>
+            <a:pPr marL="0" marR="0" lvl="0" indent="0" algn="l" defTabSz="932742" rtl="0" eaLnBrk="1" fontAlgn="auto" latinLnBrk="0" hangingPunct="1">
+              <a:lnSpc>
+                <a:spcPct val="100000"/>
+              </a:lnSpc>
+              <a:spcBef>
+                <a:spcPct val="0"/>
+              </a:spcBef>
+              <a:spcAft>
+                <a:spcPts val="0"/>
+              </a:spcAft>
+              <a:buClrTx/>
+              <a:buSzTx/>
+              <a:buFontTx/>
+              <a:buNone/>
+              <a:tabLst/>
+              <a:defRPr/>
+            </a:pPr>
+            <a:r>
+              <a:rPr kumimoji="0" lang="en-FR" sz="2400" b="0" i="0" u="none" strike="noStrike" kern="1200" cap="none" spc="-50" normalizeH="0" baseline="0" noProof="0" dirty="0">
+                <a:ln w="3175">
+                  <a:noFill/>
+                </a:ln>
+                <a:solidFill>
+                  <a:schemeClr val="tx1"/>
+                </a:solidFill>
+                <a:effectLst/>
+                <a:uLnTx/>
+                <a:uFillTx/>
+                <a:latin typeface="+mn-lt"/>
+                <a:ea typeface="+mn-ea"/>
+                <a:cs typeface="Segoe UI" pitchFamily="34" charset="0"/>
+              </a:rPr>
+              <a:t>What’s LangChain.js?</a:t>
             </a:r>
           </a:p>
         </p:txBody>
@@ -30831,6 +31342,9 @@
               <a:ext uri="{FF2B5EF4-FFF2-40B4-BE49-F238E27FC236}">
                 <a16:creationId xmlns:a16="http://schemas.microsoft.com/office/drawing/2014/main" id="{3D0D53CD-FDD2-FA24-0159-639B4EA79CBE}"/>
               </a:ext>
+              <a:ext uri="{C183D7F6-B498-43B3-948B-1728B52AA6E4}">
+                <adec:decorative xmlns:adec="http://schemas.microsoft.com/office/drawing/2017/decorative" val="1"/>
+              </a:ext>
             </a:extLst>
           </p:cNvPr>
           <p:cNvSpPr/>
@@ -30897,99 +31411,13 @@
       </p:sp>
       <p:sp>
         <p:nvSpPr>
-          <p:cNvPr id="2" name="Title 1">
-            <a:extLst>
-              <a:ext uri="{FF2B5EF4-FFF2-40B4-BE49-F238E27FC236}">
-                <a16:creationId xmlns:a16="http://schemas.microsoft.com/office/drawing/2014/main" id="{6F0C428F-DB20-C54D-F161-0E2314E1A0BB}"/>
-              </a:ext>
-            </a:extLst>
-          </p:cNvPr>
-          <p:cNvSpPr>
-            <a:spLocks noGrp="1"/>
-          </p:cNvSpPr>
-          <p:nvPr>
-            <p:ph type="title"/>
-          </p:nvPr>
-        </p:nvSpPr>
-        <p:spPr/>
-        <p:txBody>
-          <a:bodyPr/>
-          <a:lstStyle/>
-          <a:p>
-            <a:r>
-              <a:rPr lang="en-US" dirty="0"/>
-              <a:t>Prompt templates</a:t>
-            </a:r>
-          </a:p>
-        </p:txBody>
-      </p:sp>
-      <p:sp>
-        <p:nvSpPr>
-          <p:cNvPr id="11" name="Text Placeholder 10">
-            <a:extLst>
-              <a:ext uri="{FF2B5EF4-FFF2-40B4-BE49-F238E27FC236}">
-                <a16:creationId xmlns:a16="http://schemas.microsoft.com/office/drawing/2014/main" id="{1C35FB64-2038-63BF-72E6-D559910FB7CA}"/>
-              </a:ext>
-            </a:extLst>
-          </p:cNvPr>
-          <p:cNvSpPr>
-            <a:spLocks noGrp="1"/>
-          </p:cNvSpPr>
-          <p:nvPr>
-            <p:ph type="body" sz="quarter" idx="10"/>
-          </p:nvPr>
-        </p:nvSpPr>
-        <p:spPr/>
-        <p:txBody>
-          <a:bodyPr/>
-          <a:lstStyle/>
-          <a:p>
-            <a:r>
-              <a:rPr lang="en-US" dirty="0"/>
-              <a:t>Inject user input, parameters and context into prompts</a:t>
-            </a:r>
-          </a:p>
-        </p:txBody>
-      </p:sp>
-      <p:sp>
-        <p:nvSpPr>
-          <p:cNvPr id="9" name="Text Placeholder 8">
-            <a:extLst>
-              <a:ext uri="{FF2B5EF4-FFF2-40B4-BE49-F238E27FC236}">
-                <a16:creationId xmlns:a16="http://schemas.microsoft.com/office/drawing/2014/main" id="{9B488FCF-F223-D640-77A9-490AA3078E67}"/>
-              </a:ext>
-            </a:extLst>
-          </p:cNvPr>
-          <p:cNvSpPr>
-            <a:spLocks noGrp="1"/>
-          </p:cNvSpPr>
-          <p:nvPr>
-            <p:ph type="body" sz="quarter" idx="13"/>
-          </p:nvPr>
-        </p:nvSpPr>
-        <p:spPr>
-          <a:xfrm>
-            <a:off x="1" y="2090056"/>
-            <a:ext cx="3788358" cy="446148"/>
-          </a:xfrm>
-        </p:spPr>
-        <p:txBody>
-          <a:bodyPr/>
-          <a:lstStyle/>
-          <a:p>
-            <a:r>
-              <a:rPr lang="en-US"/>
-              <a:t>main.js</a:t>
-            </a:r>
-          </a:p>
-        </p:txBody>
-      </p:sp>
-      <p:sp>
-        <p:nvSpPr>
           <p:cNvPr id="4" name="Rectangle 3">
             <a:extLst>
               <a:ext uri="{FF2B5EF4-FFF2-40B4-BE49-F238E27FC236}">
                 <a16:creationId xmlns:a16="http://schemas.microsoft.com/office/drawing/2014/main" id="{6CFC4D96-F80F-6C1F-D0BD-C7B3C7E7C7BB}"/>
+              </a:ext>
+              <a:ext uri="{C183D7F6-B498-43B3-948B-1728B52AA6E4}">
+                <adec:decorative xmlns:adec="http://schemas.microsoft.com/office/drawing/2017/decorative" val="1"/>
               </a:ext>
             </a:extLst>
           </p:cNvPr>
@@ -31062,6 +31490,9 @@
               <a:ext uri="{FF2B5EF4-FFF2-40B4-BE49-F238E27FC236}">
                 <a16:creationId xmlns:a16="http://schemas.microsoft.com/office/drawing/2014/main" id="{AA1792BB-46C7-C3E6-0BA7-E217DF3837C4}"/>
               </a:ext>
+              <a:ext uri="{C183D7F6-B498-43B3-948B-1728B52AA6E4}">
+                <adec:decorative xmlns:adec="http://schemas.microsoft.com/office/drawing/2017/decorative" val="1"/>
+              </a:ext>
             </a:extLst>
           </p:cNvPr>
           <p:cNvSpPr/>
@@ -31447,6 +31878,95 @@
                 <a:effectLst/>
               </a:rPr>
               <a:t> });</a:t>
+            </a:r>
+          </a:p>
+        </p:txBody>
+      </p:sp>
+      <p:sp>
+        <p:nvSpPr>
+          <p:cNvPr id="9" name="Text Placeholder 8">
+            <a:extLst>
+              <a:ext uri="{FF2B5EF4-FFF2-40B4-BE49-F238E27FC236}">
+                <a16:creationId xmlns:a16="http://schemas.microsoft.com/office/drawing/2014/main" id="{9B488FCF-F223-D640-77A9-490AA3078E67}"/>
+              </a:ext>
+            </a:extLst>
+          </p:cNvPr>
+          <p:cNvSpPr>
+            <a:spLocks noGrp="1"/>
+          </p:cNvSpPr>
+          <p:nvPr>
+            <p:ph type="body" sz="quarter" idx="13"/>
+          </p:nvPr>
+        </p:nvSpPr>
+        <p:spPr>
+          <a:xfrm>
+            <a:off x="1" y="2090056"/>
+            <a:ext cx="3788358" cy="446148"/>
+          </a:xfrm>
+        </p:spPr>
+        <p:txBody>
+          <a:bodyPr/>
+          <a:lstStyle/>
+          <a:p>
+            <a:r>
+              <a:rPr lang="en-US"/>
+              <a:t>main.js</a:t>
+            </a:r>
+          </a:p>
+        </p:txBody>
+      </p:sp>
+      <p:sp>
+        <p:nvSpPr>
+          <p:cNvPr id="11" name="Text Placeholder 10">
+            <a:extLst>
+              <a:ext uri="{FF2B5EF4-FFF2-40B4-BE49-F238E27FC236}">
+                <a16:creationId xmlns:a16="http://schemas.microsoft.com/office/drawing/2014/main" id="{1C35FB64-2038-63BF-72E6-D559910FB7CA}"/>
+              </a:ext>
+            </a:extLst>
+          </p:cNvPr>
+          <p:cNvSpPr>
+            <a:spLocks noGrp="1"/>
+          </p:cNvSpPr>
+          <p:nvPr>
+            <p:ph type="body" sz="quarter" idx="10"/>
+          </p:nvPr>
+        </p:nvSpPr>
+        <p:spPr/>
+        <p:txBody>
+          <a:bodyPr/>
+          <a:lstStyle/>
+          <a:p>
+            <a:r>
+              <a:rPr lang="en-US" dirty="0"/>
+              <a:t>Inject user input, parameters and context into prompts</a:t>
+            </a:r>
+          </a:p>
+        </p:txBody>
+      </p:sp>
+      <p:sp>
+        <p:nvSpPr>
+          <p:cNvPr id="2" name="Title 1">
+            <a:extLst>
+              <a:ext uri="{FF2B5EF4-FFF2-40B4-BE49-F238E27FC236}">
+                <a16:creationId xmlns:a16="http://schemas.microsoft.com/office/drawing/2014/main" id="{6F0C428F-DB20-C54D-F161-0E2314E1A0BB}"/>
+              </a:ext>
+            </a:extLst>
+          </p:cNvPr>
+          <p:cNvSpPr>
+            <a:spLocks noGrp="1"/>
+          </p:cNvSpPr>
+          <p:nvPr>
+            <p:ph type="title"/>
+          </p:nvPr>
+        </p:nvSpPr>
+        <p:spPr/>
+        <p:txBody>
+          <a:bodyPr/>
+          <a:lstStyle/>
+          <a:p>
+            <a:r>
+              <a:rPr lang="en-US" dirty="0"/>
+              <a:t>Prompt templates</a:t>
             </a:r>
           </a:p>
         </p:txBody>
@@ -31637,6 +32157,9 @@
               <a:ext uri="{FF2B5EF4-FFF2-40B4-BE49-F238E27FC236}">
                 <a16:creationId xmlns:a16="http://schemas.microsoft.com/office/drawing/2014/main" id="{AEA0DBE9-A352-A49F-0A15-69CA0E349508}"/>
               </a:ext>
+              <a:ext uri="{C183D7F6-B498-43B3-948B-1728B52AA6E4}">
+                <adec:decorative xmlns:adec="http://schemas.microsoft.com/office/drawing/2017/decorative" val="1"/>
+              </a:ext>
             </a:extLst>
           </p:cNvPr>
           <p:cNvSpPr/>
@@ -31703,10 +32226,10 @@
       </p:sp>
       <p:sp>
         <p:nvSpPr>
-          <p:cNvPr id="2" name="Title 1">
+          <p:cNvPr id="8" name="Text Placeholder 7">
             <a:extLst>
               <a:ext uri="{FF2B5EF4-FFF2-40B4-BE49-F238E27FC236}">
-                <a16:creationId xmlns:a16="http://schemas.microsoft.com/office/drawing/2014/main" id="{AC71A9FE-7C82-B1E4-1BEE-9E455C1D6482}"/>
+                <a16:creationId xmlns:a16="http://schemas.microsoft.com/office/drawing/2014/main" id="{5592B948-740B-2581-5B39-B6195BD5DFC0}"/>
               </a:ext>
             </a:extLst>
           </p:cNvPr>
@@ -31714,45 +32237,999 @@
             <a:spLocks noGrp="1"/>
           </p:cNvSpPr>
           <p:nvPr>
-            <p:ph type="title"/>
+            <p:ph type="body" sz="quarter" idx="11"/>
           </p:nvPr>
         </p:nvSpPr>
-        <p:spPr/>
+        <p:spPr>
+          <a:xfrm>
+            <a:off x="586390" y="2754137"/>
+            <a:ext cx="11018520" cy="3767185"/>
+          </a:xfrm>
+        </p:spPr>
         <p:txBody>
           <a:bodyPr/>
           <a:lstStyle/>
           <a:p>
             <a:r>
-              <a:rPr lang="en-US" dirty="0"/>
-              <a:t>Runnable and chains</a:t>
-            </a:r>
-          </a:p>
-        </p:txBody>
-      </p:sp>
-      <p:sp>
-        <p:nvSpPr>
-          <p:cNvPr id="11" name="Text Placeholder 10">
-            <a:extLst>
-              <a:ext uri="{FF2B5EF4-FFF2-40B4-BE49-F238E27FC236}">
-                <a16:creationId xmlns:a16="http://schemas.microsoft.com/office/drawing/2014/main" id="{06B7E51F-E5F7-FFF1-B77D-7AB1B6E61213}"/>
-              </a:ext>
-            </a:extLst>
-          </p:cNvPr>
-          <p:cNvSpPr>
-            <a:spLocks noGrp="1"/>
-          </p:cNvSpPr>
-          <p:nvPr>
-            <p:ph type="body" sz="quarter" idx="10"/>
-          </p:nvPr>
-        </p:nvSpPr>
-        <p:spPr/>
-        <p:txBody>
-          <a:bodyPr/>
-          <a:lstStyle/>
-          <a:p>
-            <a:r>
-              <a:rPr lang="en-US" dirty="0"/>
-              <a:t>Compose processing sequences</a:t>
+              <a:rPr lang="en-GB" sz="1800" b="0" dirty="0">
+                <a:solidFill>
+                  <a:srgbClr val="0000FF"/>
+                </a:solidFill>
+                <a:effectLst/>
+                <a:highlight>
+                  <a:srgbClr val="FFFFFF"/>
+                </a:highlight>
+              </a:rPr>
+              <a:t>type</a:t>
+            </a:r>
+            <a:r>
+              <a:rPr lang="en-GB" sz="1800" b="0" dirty="0">
+                <a:solidFill>
+                  <a:srgbClr val="3B3B3B"/>
+                </a:solidFill>
+                <a:effectLst/>
+                <a:highlight>
+                  <a:srgbClr val="FFFFFF"/>
+                </a:highlight>
+              </a:rPr>
+              <a:t> </a:t>
+            </a:r>
+            <a:r>
+              <a:rPr lang="en-GB" sz="1800" b="0" dirty="0">
+                <a:solidFill>
+                  <a:srgbClr val="267F99"/>
+                </a:solidFill>
+                <a:effectLst/>
+                <a:highlight>
+                  <a:srgbClr val="FFFFFF"/>
+                </a:highlight>
+              </a:rPr>
+              <a:t>Joke</a:t>
+            </a:r>
+            <a:r>
+              <a:rPr lang="en-GB" sz="1800" b="0" dirty="0">
+                <a:solidFill>
+                  <a:srgbClr val="3B3B3B"/>
+                </a:solidFill>
+                <a:effectLst/>
+                <a:highlight>
+                  <a:srgbClr val="FFFFFF"/>
+                </a:highlight>
+              </a:rPr>
+              <a:t> </a:t>
+            </a:r>
+            <a:r>
+              <a:rPr lang="en-GB" sz="1800" b="0" dirty="0">
+                <a:solidFill>
+                  <a:srgbClr val="000000"/>
+                </a:solidFill>
+                <a:effectLst/>
+                <a:highlight>
+                  <a:srgbClr val="FFFFFF"/>
+                </a:highlight>
+              </a:rPr>
+              <a:t>=</a:t>
+            </a:r>
+            <a:r>
+              <a:rPr lang="en-GB" sz="1800" b="0" dirty="0">
+                <a:solidFill>
+                  <a:srgbClr val="3B3B3B"/>
+                </a:solidFill>
+                <a:effectLst/>
+                <a:highlight>
+                  <a:srgbClr val="FFFFFF"/>
+                </a:highlight>
+              </a:rPr>
+              <a:t> { </a:t>
+            </a:r>
+            <a:r>
+              <a:rPr lang="en-GB" sz="1800" b="0" dirty="0">
+                <a:solidFill>
+                  <a:srgbClr val="001080"/>
+                </a:solidFill>
+                <a:effectLst/>
+                <a:highlight>
+                  <a:srgbClr val="FFFFFF"/>
+                </a:highlight>
+              </a:rPr>
+              <a:t>joke</a:t>
+            </a:r>
+            <a:r>
+              <a:rPr lang="en-GB" sz="1800" b="0" dirty="0">
+                <a:solidFill>
+                  <a:srgbClr val="000000"/>
+                </a:solidFill>
+                <a:effectLst/>
+                <a:highlight>
+                  <a:srgbClr val="FFFFFF"/>
+                </a:highlight>
+              </a:rPr>
+              <a:t>:</a:t>
+            </a:r>
+            <a:r>
+              <a:rPr lang="en-GB" sz="1800" b="0" dirty="0">
+                <a:solidFill>
+                  <a:srgbClr val="3B3B3B"/>
+                </a:solidFill>
+                <a:effectLst/>
+                <a:highlight>
+                  <a:srgbClr val="FFFFFF"/>
+                </a:highlight>
+              </a:rPr>
+              <a:t> </a:t>
+            </a:r>
+            <a:r>
+              <a:rPr lang="en-GB" sz="1800" b="0" dirty="0">
+                <a:solidFill>
+                  <a:srgbClr val="267F99"/>
+                </a:solidFill>
+                <a:effectLst/>
+                <a:highlight>
+                  <a:srgbClr val="FFFFFF"/>
+                </a:highlight>
+              </a:rPr>
+              <a:t>string</a:t>
+            </a:r>
+            <a:r>
+              <a:rPr lang="en-GB" sz="1800" b="0" dirty="0">
+                <a:solidFill>
+                  <a:srgbClr val="3B3B3B"/>
+                </a:solidFill>
+                <a:effectLst/>
+                <a:highlight>
+                  <a:srgbClr val="FFFFFF"/>
+                </a:highlight>
+              </a:rPr>
+              <a:t> };</a:t>
+            </a:r>
+          </a:p>
+          <a:p>
+            <a:br>
+              <a:rPr lang="en-GB" sz="1800" b="0" dirty="0">
+                <a:solidFill>
+                  <a:srgbClr val="3B3B3B"/>
+                </a:solidFill>
+                <a:effectLst/>
+                <a:highlight>
+                  <a:srgbClr val="FFFFFF"/>
+                </a:highlight>
+              </a:rPr>
+            </a:br>
+            <a:r>
+              <a:rPr lang="en-GB" sz="1800" b="0" dirty="0" err="1">
+                <a:solidFill>
+                  <a:srgbClr val="0000FF"/>
+                </a:solidFill>
+                <a:effectLst/>
+                <a:highlight>
+                  <a:srgbClr val="FFFFFF"/>
+                </a:highlight>
+              </a:rPr>
+              <a:t>const</a:t>
+            </a:r>
+            <a:r>
+              <a:rPr lang="en-GB" sz="1800" b="0" dirty="0">
+                <a:solidFill>
+                  <a:srgbClr val="3B3B3B"/>
+                </a:solidFill>
+                <a:effectLst/>
+                <a:highlight>
+                  <a:srgbClr val="FFFFFF"/>
+                </a:highlight>
+              </a:rPr>
+              <a:t> </a:t>
+            </a:r>
+            <a:r>
+              <a:rPr lang="en-GB" sz="1800" b="0" dirty="0">
+                <a:solidFill>
+                  <a:srgbClr val="0070C1"/>
+                </a:solidFill>
+                <a:effectLst/>
+                <a:highlight>
+                  <a:srgbClr val="FFFFFF"/>
+                </a:highlight>
+              </a:rPr>
+              <a:t>model</a:t>
+            </a:r>
+            <a:r>
+              <a:rPr lang="en-GB" sz="1800" b="0" dirty="0">
+                <a:solidFill>
+                  <a:srgbClr val="3B3B3B"/>
+                </a:solidFill>
+                <a:effectLst/>
+                <a:highlight>
+                  <a:srgbClr val="FFFFFF"/>
+                </a:highlight>
+              </a:rPr>
+              <a:t> </a:t>
+            </a:r>
+            <a:r>
+              <a:rPr lang="en-GB" sz="1800" b="0" dirty="0">
+                <a:solidFill>
+                  <a:srgbClr val="000000"/>
+                </a:solidFill>
+                <a:effectLst/>
+                <a:highlight>
+                  <a:srgbClr val="FFFFFF"/>
+                </a:highlight>
+              </a:rPr>
+              <a:t>=</a:t>
+            </a:r>
+            <a:r>
+              <a:rPr lang="en-GB" sz="1800" b="0" dirty="0">
+                <a:solidFill>
+                  <a:srgbClr val="3B3B3B"/>
+                </a:solidFill>
+                <a:effectLst/>
+                <a:highlight>
+                  <a:srgbClr val="FFFFFF"/>
+                </a:highlight>
+              </a:rPr>
+              <a:t> </a:t>
+            </a:r>
+            <a:r>
+              <a:rPr lang="en-GB" sz="1800" b="0" dirty="0">
+                <a:solidFill>
+                  <a:srgbClr val="0000FF"/>
+                </a:solidFill>
+                <a:effectLst/>
+                <a:highlight>
+                  <a:srgbClr val="FFFFFF"/>
+                </a:highlight>
+              </a:rPr>
+              <a:t>new</a:t>
+            </a:r>
+            <a:r>
+              <a:rPr lang="en-GB" sz="1800" b="0" dirty="0">
+                <a:solidFill>
+                  <a:srgbClr val="3B3B3B"/>
+                </a:solidFill>
+                <a:effectLst/>
+                <a:highlight>
+                  <a:srgbClr val="FFFFFF"/>
+                </a:highlight>
+              </a:rPr>
+              <a:t> </a:t>
+            </a:r>
+            <a:r>
+              <a:rPr lang="en-GB" sz="1800" b="0" dirty="0" err="1">
+                <a:solidFill>
+                  <a:srgbClr val="795E26"/>
+                </a:solidFill>
+                <a:effectLst/>
+                <a:highlight>
+                  <a:srgbClr val="FFFFFF"/>
+                </a:highlight>
+              </a:rPr>
+              <a:t>ChatOpenAI</a:t>
+            </a:r>
+            <a:r>
+              <a:rPr lang="en-GB" sz="1800" b="0" dirty="0">
+                <a:solidFill>
+                  <a:srgbClr val="3B3B3B"/>
+                </a:solidFill>
+                <a:effectLst/>
+                <a:highlight>
+                  <a:srgbClr val="FFFFFF"/>
+                </a:highlight>
+              </a:rPr>
+              <a:t>({ </a:t>
+            </a:r>
+            <a:r>
+              <a:rPr lang="en-GB" sz="1800" b="0" dirty="0">
+                <a:solidFill>
+                  <a:srgbClr val="001080"/>
+                </a:solidFill>
+                <a:effectLst/>
+                <a:highlight>
+                  <a:srgbClr val="FFFFFF"/>
+                </a:highlight>
+              </a:rPr>
+              <a:t>model:</a:t>
+            </a:r>
+            <a:r>
+              <a:rPr lang="en-GB" sz="1800" b="0" dirty="0">
+                <a:solidFill>
+                  <a:srgbClr val="3B3B3B"/>
+                </a:solidFill>
+                <a:effectLst/>
+                <a:highlight>
+                  <a:srgbClr val="FFFFFF"/>
+                </a:highlight>
+              </a:rPr>
+              <a:t> </a:t>
+            </a:r>
+            <a:r>
+              <a:rPr lang="en-GB" sz="1800" b="0" dirty="0">
+                <a:solidFill>
+                  <a:srgbClr val="A31515"/>
+                </a:solidFill>
+                <a:effectLst/>
+                <a:highlight>
+                  <a:srgbClr val="FFFFFF"/>
+                </a:highlight>
+              </a:rPr>
+              <a:t>"gpt-4o-mini"</a:t>
+            </a:r>
+            <a:r>
+              <a:rPr lang="en-GB" sz="1800" b="0" dirty="0">
+                <a:solidFill>
+                  <a:srgbClr val="3B3B3B"/>
+                </a:solidFill>
+                <a:effectLst/>
+                <a:highlight>
+                  <a:srgbClr val="FFFFFF"/>
+                </a:highlight>
+              </a:rPr>
+              <a:t> });</a:t>
+            </a:r>
+          </a:p>
+          <a:p>
+            <a:r>
+              <a:rPr lang="en-GB" sz="1800" b="0" dirty="0" err="1">
+                <a:solidFill>
+                  <a:srgbClr val="0000FF"/>
+                </a:solidFill>
+                <a:effectLst/>
+                <a:highlight>
+                  <a:srgbClr val="FFFFFF"/>
+                </a:highlight>
+              </a:rPr>
+              <a:t>const</a:t>
+            </a:r>
+            <a:r>
+              <a:rPr lang="en-GB" sz="1800" b="0" dirty="0">
+                <a:solidFill>
+                  <a:srgbClr val="3B3B3B"/>
+                </a:solidFill>
+                <a:effectLst/>
+                <a:highlight>
+                  <a:srgbClr val="FFFFFF"/>
+                </a:highlight>
+              </a:rPr>
+              <a:t> </a:t>
+            </a:r>
+            <a:r>
+              <a:rPr lang="en-GB" sz="1800" b="0" dirty="0">
+                <a:solidFill>
+                  <a:srgbClr val="0070C1"/>
+                </a:solidFill>
+                <a:effectLst/>
+                <a:highlight>
+                  <a:srgbClr val="FFFFFF"/>
+                </a:highlight>
+              </a:rPr>
+              <a:t>prompt</a:t>
+            </a:r>
+            <a:r>
+              <a:rPr lang="en-GB" sz="1800" b="0" dirty="0">
+                <a:solidFill>
+                  <a:srgbClr val="3B3B3B"/>
+                </a:solidFill>
+                <a:effectLst/>
+                <a:highlight>
+                  <a:srgbClr val="FFFFFF"/>
+                </a:highlight>
+              </a:rPr>
+              <a:t> </a:t>
+            </a:r>
+            <a:r>
+              <a:rPr lang="en-GB" sz="1800" b="0" dirty="0">
+                <a:solidFill>
+                  <a:srgbClr val="000000"/>
+                </a:solidFill>
+                <a:effectLst/>
+                <a:highlight>
+                  <a:srgbClr val="FFFFFF"/>
+                </a:highlight>
+              </a:rPr>
+              <a:t>=</a:t>
+            </a:r>
+            <a:r>
+              <a:rPr lang="en-GB" sz="1800" b="0" dirty="0">
+                <a:solidFill>
+                  <a:srgbClr val="3B3B3B"/>
+                </a:solidFill>
+                <a:effectLst/>
+                <a:highlight>
+                  <a:srgbClr val="FFFFFF"/>
+                </a:highlight>
+              </a:rPr>
+              <a:t> </a:t>
+            </a:r>
+            <a:r>
+              <a:rPr lang="en-GB" sz="1800" b="0" dirty="0" err="1">
+                <a:solidFill>
+                  <a:srgbClr val="001080"/>
+                </a:solidFill>
+                <a:effectLst/>
+                <a:highlight>
+                  <a:srgbClr val="FFFFFF"/>
+                </a:highlight>
+              </a:rPr>
+              <a:t>ChatPromptTemplate</a:t>
+            </a:r>
+            <a:r>
+              <a:rPr lang="en-GB" sz="1800" b="0" dirty="0" err="1">
+                <a:solidFill>
+                  <a:srgbClr val="3B3B3B"/>
+                </a:solidFill>
+                <a:effectLst/>
+                <a:highlight>
+                  <a:srgbClr val="FFFFFF"/>
+                </a:highlight>
+              </a:rPr>
+              <a:t>.</a:t>
+            </a:r>
+            <a:r>
+              <a:rPr lang="en-GB" sz="1800" b="0" dirty="0" err="1">
+                <a:solidFill>
+                  <a:srgbClr val="795E26"/>
+                </a:solidFill>
+                <a:effectLst/>
+                <a:highlight>
+                  <a:srgbClr val="FFFFFF"/>
+                </a:highlight>
+              </a:rPr>
+              <a:t>fromTemplate</a:t>
+            </a:r>
+            <a:r>
+              <a:rPr lang="en-GB" sz="1800" b="0" dirty="0">
+                <a:solidFill>
+                  <a:srgbClr val="3B3B3B"/>
+                </a:solidFill>
+                <a:effectLst/>
+                <a:highlight>
+                  <a:srgbClr val="FFFFFF"/>
+                </a:highlight>
+              </a:rPr>
+              <a:t>(</a:t>
+            </a:r>
+          </a:p>
+          <a:p>
+            <a:r>
+              <a:rPr lang="en-GB" sz="1800" dirty="0">
+                <a:solidFill>
+                  <a:srgbClr val="3B3B3B"/>
+                </a:solidFill>
+                <a:highlight>
+                  <a:srgbClr val="FFFFFF"/>
+                </a:highlight>
+              </a:rPr>
+              <a:t>  </a:t>
+            </a:r>
+            <a:r>
+              <a:rPr lang="en-GB" sz="1800" b="0" dirty="0">
+                <a:solidFill>
+                  <a:srgbClr val="A31515"/>
+                </a:solidFill>
+                <a:effectLst/>
+                <a:highlight>
+                  <a:srgbClr val="FFFFFF"/>
+                </a:highlight>
+              </a:rPr>
+              <a:t>"Tell a joke about {topic}. Answer with valid JSON, containing one field: 'joke’”</a:t>
+            </a:r>
+            <a:r>
+              <a:rPr lang="en-GB" sz="1800" b="0" dirty="0">
+                <a:solidFill>
+                  <a:srgbClr val="3B3B3B"/>
+                </a:solidFill>
+                <a:effectLst/>
+                <a:highlight>
+                  <a:srgbClr val="FFFFFF"/>
+                </a:highlight>
+              </a:rPr>
+              <a:t>);</a:t>
+            </a:r>
+          </a:p>
+          <a:p>
+            <a:r>
+              <a:rPr lang="en-GB" sz="1800" b="0" dirty="0" err="1">
+                <a:solidFill>
+                  <a:srgbClr val="0000FF"/>
+                </a:solidFill>
+                <a:effectLst/>
+                <a:highlight>
+                  <a:srgbClr val="FFFFFF"/>
+                </a:highlight>
+              </a:rPr>
+              <a:t>const</a:t>
+            </a:r>
+            <a:r>
+              <a:rPr lang="en-GB" sz="1800" b="0" dirty="0">
+                <a:solidFill>
+                  <a:srgbClr val="3B3B3B"/>
+                </a:solidFill>
+                <a:effectLst/>
+                <a:highlight>
+                  <a:srgbClr val="FFFFFF"/>
+                </a:highlight>
+              </a:rPr>
+              <a:t> </a:t>
+            </a:r>
+            <a:r>
+              <a:rPr lang="en-GB" sz="1800" b="0" dirty="0">
+                <a:solidFill>
+                  <a:srgbClr val="0070C1"/>
+                </a:solidFill>
+                <a:effectLst/>
+                <a:highlight>
+                  <a:srgbClr val="FFFFFF"/>
+                </a:highlight>
+              </a:rPr>
+              <a:t>parser</a:t>
+            </a:r>
+            <a:r>
+              <a:rPr lang="en-GB" sz="1800" b="0" dirty="0">
+                <a:solidFill>
+                  <a:srgbClr val="3B3B3B"/>
+                </a:solidFill>
+                <a:effectLst/>
+                <a:highlight>
+                  <a:srgbClr val="FFFFFF"/>
+                </a:highlight>
+              </a:rPr>
+              <a:t> </a:t>
+            </a:r>
+            <a:r>
+              <a:rPr lang="en-GB" sz="1800" b="0" dirty="0">
+                <a:solidFill>
+                  <a:srgbClr val="000000"/>
+                </a:solidFill>
+                <a:effectLst/>
+                <a:highlight>
+                  <a:srgbClr val="FFFFFF"/>
+                </a:highlight>
+              </a:rPr>
+              <a:t>=</a:t>
+            </a:r>
+            <a:r>
+              <a:rPr lang="en-GB" sz="1800" b="0" dirty="0">
+                <a:solidFill>
+                  <a:srgbClr val="3B3B3B"/>
+                </a:solidFill>
+                <a:effectLst/>
+                <a:highlight>
+                  <a:srgbClr val="FFFFFF"/>
+                </a:highlight>
+              </a:rPr>
+              <a:t> </a:t>
+            </a:r>
+            <a:r>
+              <a:rPr lang="en-GB" sz="1800" b="0" dirty="0">
+                <a:solidFill>
+                  <a:srgbClr val="0000FF"/>
+                </a:solidFill>
+                <a:effectLst/>
+                <a:highlight>
+                  <a:srgbClr val="FFFFFF"/>
+                </a:highlight>
+              </a:rPr>
+              <a:t>new</a:t>
+            </a:r>
+            <a:r>
+              <a:rPr lang="en-GB" sz="1800" b="0" dirty="0">
+                <a:solidFill>
+                  <a:srgbClr val="3B3B3B"/>
+                </a:solidFill>
+                <a:effectLst/>
+                <a:highlight>
+                  <a:srgbClr val="FFFFFF"/>
+                </a:highlight>
+              </a:rPr>
+              <a:t> </a:t>
+            </a:r>
+            <a:r>
+              <a:rPr lang="en-GB" sz="1800" b="0" dirty="0" err="1">
+                <a:solidFill>
+                  <a:srgbClr val="795E26"/>
+                </a:solidFill>
+                <a:effectLst/>
+                <a:highlight>
+                  <a:srgbClr val="FFFFFF"/>
+                </a:highlight>
+              </a:rPr>
+              <a:t>JsonOutputParser</a:t>
+            </a:r>
+            <a:r>
+              <a:rPr lang="en-GB" sz="1800" b="0" dirty="0">
+                <a:solidFill>
+                  <a:srgbClr val="3B3B3B"/>
+                </a:solidFill>
+                <a:effectLst/>
+                <a:highlight>
+                  <a:srgbClr val="FFFFFF"/>
+                </a:highlight>
+              </a:rPr>
+              <a:t>&lt;</a:t>
+            </a:r>
+            <a:r>
+              <a:rPr lang="en-GB" sz="1800" b="0" dirty="0">
+                <a:solidFill>
+                  <a:srgbClr val="267F99"/>
+                </a:solidFill>
+                <a:effectLst/>
+                <a:highlight>
+                  <a:srgbClr val="FFFFFF"/>
+                </a:highlight>
+              </a:rPr>
+              <a:t>Joke</a:t>
+            </a:r>
+            <a:r>
+              <a:rPr lang="en-GB" sz="1800" b="0" dirty="0">
+                <a:solidFill>
+                  <a:srgbClr val="3B3B3B"/>
+                </a:solidFill>
+                <a:effectLst/>
+                <a:highlight>
+                  <a:srgbClr val="FFFFFF"/>
+                </a:highlight>
+              </a:rPr>
+              <a:t>&gt;();</a:t>
+            </a:r>
+          </a:p>
+          <a:p>
+            <a:br>
+              <a:rPr lang="en-GB" sz="1800" b="0" dirty="0">
+                <a:solidFill>
+                  <a:srgbClr val="3B3B3B"/>
+                </a:solidFill>
+                <a:effectLst/>
+                <a:highlight>
+                  <a:srgbClr val="FFFFFF"/>
+                </a:highlight>
+              </a:rPr>
+            </a:br>
+            <a:r>
+              <a:rPr lang="en-GB" sz="1800" b="0" dirty="0" err="1">
+                <a:solidFill>
+                  <a:srgbClr val="0000FF"/>
+                </a:solidFill>
+                <a:effectLst/>
+                <a:highlight>
+                  <a:srgbClr val="FFFFFF"/>
+                </a:highlight>
+              </a:rPr>
+              <a:t>const</a:t>
+            </a:r>
+            <a:r>
+              <a:rPr lang="en-GB" sz="1800" b="0" dirty="0">
+                <a:solidFill>
+                  <a:srgbClr val="3B3B3B"/>
+                </a:solidFill>
+                <a:effectLst/>
+                <a:highlight>
+                  <a:srgbClr val="FFFFFF"/>
+                </a:highlight>
+              </a:rPr>
+              <a:t> </a:t>
+            </a:r>
+            <a:r>
+              <a:rPr lang="en-GB" sz="1800" b="0" dirty="0">
+                <a:solidFill>
+                  <a:srgbClr val="0070C1"/>
+                </a:solidFill>
+                <a:effectLst/>
+                <a:highlight>
+                  <a:srgbClr val="FFFFFF"/>
+                </a:highlight>
+              </a:rPr>
+              <a:t>chain</a:t>
+            </a:r>
+            <a:r>
+              <a:rPr lang="en-GB" sz="1800" b="0" dirty="0">
+                <a:solidFill>
+                  <a:srgbClr val="3B3B3B"/>
+                </a:solidFill>
+                <a:effectLst/>
+                <a:highlight>
+                  <a:srgbClr val="FFFFFF"/>
+                </a:highlight>
+              </a:rPr>
+              <a:t> </a:t>
+            </a:r>
+            <a:r>
+              <a:rPr lang="en-GB" sz="1800" b="0" dirty="0">
+                <a:solidFill>
+                  <a:srgbClr val="000000"/>
+                </a:solidFill>
+                <a:effectLst/>
+                <a:highlight>
+                  <a:srgbClr val="FFFFFF"/>
+                </a:highlight>
+              </a:rPr>
+              <a:t>=</a:t>
+            </a:r>
+            <a:r>
+              <a:rPr lang="en-GB" sz="1800" b="0" dirty="0">
+                <a:solidFill>
+                  <a:srgbClr val="3B3B3B"/>
+                </a:solidFill>
+                <a:effectLst/>
+                <a:highlight>
+                  <a:srgbClr val="FFFFFF"/>
+                </a:highlight>
+              </a:rPr>
+              <a:t> </a:t>
+            </a:r>
+            <a:r>
+              <a:rPr lang="en-GB" sz="1800" b="0" dirty="0">
+                <a:solidFill>
+                  <a:srgbClr val="0070C1"/>
+                </a:solidFill>
+                <a:effectLst/>
+                <a:highlight>
+                  <a:srgbClr val="FFFFFF"/>
+                </a:highlight>
+              </a:rPr>
+              <a:t>prompt</a:t>
+            </a:r>
+            <a:endParaRPr lang="en-GB" sz="1800" b="0" dirty="0">
+              <a:solidFill>
+                <a:srgbClr val="3B3B3B"/>
+              </a:solidFill>
+              <a:effectLst/>
+              <a:highlight>
+                <a:srgbClr val="FFFFFF"/>
+              </a:highlight>
+            </a:endParaRPr>
+          </a:p>
+          <a:p>
+            <a:r>
+              <a:rPr lang="en-GB" sz="1800" b="0" dirty="0">
+                <a:solidFill>
+                  <a:srgbClr val="3B3B3B"/>
+                </a:solidFill>
+                <a:effectLst/>
+                <a:highlight>
+                  <a:srgbClr val="FFFFFF"/>
+                </a:highlight>
+              </a:rPr>
+              <a:t>  .</a:t>
+            </a:r>
+            <a:r>
+              <a:rPr lang="en-GB" sz="1800" b="0" dirty="0">
+                <a:solidFill>
+                  <a:srgbClr val="795E26"/>
+                </a:solidFill>
+                <a:effectLst/>
+                <a:highlight>
+                  <a:srgbClr val="FFFFFF"/>
+                </a:highlight>
+              </a:rPr>
+              <a:t>pipe</a:t>
+            </a:r>
+            <a:r>
+              <a:rPr lang="en-GB" sz="1800" b="0" dirty="0">
+                <a:solidFill>
+                  <a:srgbClr val="3B3B3B"/>
+                </a:solidFill>
+                <a:effectLst/>
+                <a:highlight>
+                  <a:srgbClr val="FFFFFF"/>
+                </a:highlight>
+              </a:rPr>
+              <a:t>(</a:t>
+            </a:r>
+            <a:r>
+              <a:rPr lang="en-GB" sz="1800" b="0" dirty="0">
+                <a:solidFill>
+                  <a:srgbClr val="0070C1"/>
+                </a:solidFill>
+                <a:effectLst/>
+                <a:highlight>
+                  <a:srgbClr val="FFFFFF"/>
+                </a:highlight>
+              </a:rPr>
+              <a:t>model</a:t>
+            </a:r>
+            <a:r>
+              <a:rPr lang="en-GB" sz="1800" b="0" dirty="0">
+                <a:solidFill>
+                  <a:srgbClr val="3B3B3B"/>
+                </a:solidFill>
+                <a:effectLst/>
+                <a:highlight>
+                  <a:srgbClr val="FFFFFF"/>
+                </a:highlight>
+              </a:rPr>
+              <a:t>)</a:t>
+            </a:r>
+          </a:p>
+          <a:p>
+            <a:r>
+              <a:rPr lang="en-GB" sz="1800" b="0" dirty="0">
+                <a:solidFill>
+                  <a:srgbClr val="3B3B3B"/>
+                </a:solidFill>
+                <a:effectLst/>
+                <a:highlight>
+                  <a:srgbClr val="FFFFFF"/>
+                </a:highlight>
+              </a:rPr>
+              <a:t>  .</a:t>
+            </a:r>
+            <a:r>
+              <a:rPr lang="en-GB" sz="1800" b="0" dirty="0">
+                <a:solidFill>
+                  <a:srgbClr val="795E26"/>
+                </a:solidFill>
+                <a:effectLst/>
+                <a:highlight>
+                  <a:srgbClr val="FFFFFF"/>
+                </a:highlight>
+              </a:rPr>
+              <a:t>pipe</a:t>
+            </a:r>
+            <a:r>
+              <a:rPr lang="en-GB" sz="1800" b="0" dirty="0">
+                <a:solidFill>
+                  <a:srgbClr val="3B3B3B"/>
+                </a:solidFill>
+                <a:effectLst/>
+                <a:highlight>
+                  <a:srgbClr val="FFFFFF"/>
+                </a:highlight>
+              </a:rPr>
+              <a:t>(</a:t>
+            </a:r>
+            <a:r>
+              <a:rPr lang="en-GB" sz="1800" b="0" dirty="0">
+                <a:solidFill>
+                  <a:srgbClr val="0070C1"/>
+                </a:solidFill>
+                <a:effectLst/>
+                <a:highlight>
+                  <a:srgbClr val="FFFFFF"/>
+                </a:highlight>
+              </a:rPr>
+              <a:t>parser</a:t>
+            </a:r>
+            <a:r>
+              <a:rPr lang="en-GB" sz="1800" b="0" dirty="0">
+                <a:solidFill>
+                  <a:srgbClr val="3B3B3B"/>
+                </a:solidFill>
+                <a:effectLst/>
+                <a:highlight>
+                  <a:srgbClr val="FFFFFF"/>
+                </a:highlight>
+              </a:rPr>
+              <a:t>);</a:t>
+            </a:r>
+          </a:p>
+          <a:p>
+            <a:br>
+              <a:rPr lang="en-GB" sz="1800" b="0" dirty="0">
+                <a:solidFill>
+                  <a:srgbClr val="3B3B3B"/>
+                </a:solidFill>
+                <a:effectLst/>
+                <a:highlight>
+                  <a:srgbClr val="FFFFFF"/>
+                </a:highlight>
+              </a:rPr>
+            </a:br>
+            <a:r>
+              <a:rPr lang="en-GB" sz="1800" b="0" dirty="0">
+                <a:solidFill>
+                  <a:srgbClr val="AF00DB"/>
+                </a:solidFill>
+                <a:effectLst/>
+                <a:highlight>
+                  <a:srgbClr val="FFFFFF"/>
+                </a:highlight>
+              </a:rPr>
+              <a:t>await</a:t>
+            </a:r>
+            <a:r>
+              <a:rPr lang="en-GB" sz="1800" b="0" dirty="0">
+                <a:solidFill>
+                  <a:srgbClr val="3B3B3B"/>
+                </a:solidFill>
+                <a:effectLst/>
+                <a:highlight>
+                  <a:srgbClr val="FFFFFF"/>
+                </a:highlight>
+              </a:rPr>
+              <a:t> </a:t>
+            </a:r>
+            <a:r>
+              <a:rPr lang="en-GB" sz="1800" b="0" dirty="0" err="1">
+                <a:solidFill>
+                  <a:srgbClr val="0070C1"/>
+                </a:solidFill>
+                <a:effectLst/>
+                <a:highlight>
+                  <a:srgbClr val="FFFFFF"/>
+                </a:highlight>
+              </a:rPr>
+              <a:t>chain</a:t>
+            </a:r>
+            <a:r>
+              <a:rPr lang="en-GB" sz="1800" b="0" dirty="0" err="1">
+                <a:solidFill>
+                  <a:srgbClr val="3B3B3B"/>
+                </a:solidFill>
+                <a:effectLst/>
+                <a:highlight>
+                  <a:srgbClr val="FFFFFF"/>
+                </a:highlight>
+              </a:rPr>
+              <a:t>.</a:t>
+            </a:r>
+            <a:r>
+              <a:rPr lang="en-GB" sz="1800" b="0" dirty="0" err="1">
+                <a:solidFill>
+                  <a:srgbClr val="795E26"/>
+                </a:solidFill>
+                <a:effectLst/>
+                <a:highlight>
+                  <a:srgbClr val="FFFFFF"/>
+                </a:highlight>
+              </a:rPr>
+              <a:t>invoke</a:t>
+            </a:r>
+            <a:r>
+              <a:rPr lang="en-GB" sz="1800" b="0" dirty="0">
+                <a:solidFill>
+                  <a:srgbClr val="3B3B3B"/>
+                </a:solidFill>
+                <a:effectLst/>
+                <a:highlight>
+                  <a:srgbClr val="FFFFFF"/>
+                </a:highlight>
+              </a:rPr>
+              <a:t>({ </a:t>
+            </a:r>
+            <a:r>
+              <a:rPr lang="en-GB" sz="1800" b="0" dirty="0">
+                <a:solidFill>
+                  <a:srgbClr val="001080"/>
+                </a:solidFill>
+                <a:effectLst/>
+                <a:highlight>
+                  <a:srgbClr val="FFFFFF"/>
+                </a:highlight>
+              </a:rPr>
+              <a:t>topic:</a:t>
+            </a:r>
+            <a:r>
+              <a:rPr lang="en-GB" sz="1800" b="0" dirty="0">
+                <a:solidFill>
+                  <a:srgbClr val="3B3B3B"/>
+                </a:solidFill>
+                <a:effectLst/>
+                <a:highlight>
+                  <a:srgbClr val="FFFFFF"/>
+                </a:highlight>
+              </a:rPr>
+              <a:t> </a:t>
+            </a:r>
+            <a:r>
+              <a:rPr lang="en-GB" sz="1800" b="0" dirty="0">
+                <a:solidFill>
+                  <a:srgbClr val="A31515"/>
+                </a:solidFill>
+                <a:effectLst/>
+                <a:highlight>
+                  <a:srgbClr val="FFFFFF"/>
+                </a:highlight>
+              </a:rPr>
+              <a:t>"bears"</a:t>
+            </a:r>
+            <a:r>
+              <a:rPr lang="en-GB" sz="1800" b="0" dirty="0">
+                <a:solidFill>
+                  <a:srgbClr val="3B3B3B"/>
+                </a:solidFill>
+                <a:effectLst/>
+                <a:highlight>
+                  <a:srgbClr val="FFFFFF"/>
+                </a:highlight>
+              </a:rPr>
+              <a:t> });</a:t>
             </a:r>
           </a:p>
         </p:txBody>
@@ -31792,10 +33269,10 @@
       </p:sp>
       <p:sp>
         <p:nvSpPr>
-          <p:cNvPr id="8" name="Text Placeholder 7">
+          <p:cNvPr id="11" name="Text Placeholder 10">
             <a:extLst>
               <a:ext uri="{FF2B5EF4-FFF2-40B4-BE49-F238E27FC236}">
-                <a16:creationId xmlns:a16="http://schemas.microsoft.com/office/drawing/2014/main" id="{5592B948-740B-2581-5B39-B6195BD5DFC0}"/>
+                <a16:creationId xmlns:a16="http://schemas.microsoft.com/office/drawing/2014/main" id="{06B7E51F-E5F7-FFF1-B77D-7AB1B6E61213}"/>
               </a:ext>
             </a:extLst>
           </p:cNvPr>
@@ -31803,999 +33280,45 @@
             <a:spLocks noGrp="1"/>
           </p:cNvSpPr>
           <p:nvPr>
-            <p:ph type="body" sz="quarter" idx="11"/>
+            <p:ph type="body" sz="quarter" idx="10"/>
           </p:nvPr>
         </p:nvSpPr>
-        <p:spPr>
-          <a:xfrm>
-            <a:off x="586390" y="2754137"/>
-            <a:ext cx="11018520" cy="3767185"/>
-          </a:xfrm>
-        </p:spPr>
+        <p:spPr/>
         <p:txBody>
           <a:bodyPr/>
           <a:lstStyle/>
           <a:p>
             <a:r>
-              <a:rPr lang="en-GB" sz="1800" b="0" dirty="0">
-                <a:solidFill>
-                  <a:srgbClr val="0000FF"/>
-                </a:solidFill>
-                <a:effectLst/>
-                <a:highlight>
-                  <a:srgbClr val="FFFFFF"/>
-                </a:highlight>
-              </a:rPr>
-              <a:t>type</a:t>
-            </a:r>
-            <a:r>
-              <a:rPr lang="en-GB" sz="1800" b="0" dirty="0">
-                <a:solidFill>
-                  <a:srgbClr val="3B3B3B"/>
-                </a:solidFill>
-                <a:effectLst/>
-                <a:highlight>
-                  <a:srgbClr val="FFFFFF"/>
-                </a:highlight>
-              </a:rPr>
-              <a:t> </a:t>
-            </a:r>
-            <a:r>
-              <a:rPr lang="en-GB" sz="1800" b="0" dirty="0">
-                <a:solidFill>
-                  <a:srgbClr val="267F99"/>
-                </a:solidFill>
-                <a:effectLst/>
-                <a:highlight>
-                  <a:srgbClr val="FFFFFF"/>
-                </a:highlight>
-              </a:rPr>
-              <a:t>Joke</a:t>
-            </a:r>
-            <a:r>
-              <a:rPr lang="en-GB" sz="1800" b="0" dirty="0">
-                <a:solidFill>
-                  <a:srgbClr val="3B3B3B"/>
-                </a:solidFill>
-                <a:effectLst/>
-                <a:highlight>
-                  <a:srgbClr val="FFFFFF"/>
-                </a:highlight>
-              </a:rPr>
-              <a:t> </a:t>
-            </a:r>
-            <a:r>
-              <a:rPr lang="en-GB" sz="1800" b="0" dirty="0">
-                <a:solidFill>
-                  <a:srgbClr val="000000"/>
-                </a:solidFill>
-                <a:effectLst/>
-                <a:highlight>
-                  <a:srgbClr val="FFFFFF"/>
-                </a:highlight>
-              </a:rPr>
-              <a:t>=</a:t>
-            </a:r>
-            <a:r>
-              <a:rPr lang="en-GB" sz="1800" b="0" dirty="0">
-                <a:solidFill>
-                  <a:srgbClr val="3B3B3B"/>
-                </a:solidFill>
-                <a:effectLst/>
-                <a:highlight>
-                  <a:srgbClr val="FFFFFF"/>
-                </a:highlight>
-              </a:rPr>
-              <a:t> { </a:t>
-            </a:r>
-            <a:r>
-              <a:rPr lang="en-GB" sz="1800" b="0" dirty="0">
-                <a:solidFill>
-                  <a:srgbClr val="001080"/>
-                </a:solidFill>
-                <a:effectLst/>
-                <a:highlight>
-                  <a:srgbClr val="FFFFFF"/>
-                </a:highlight>
-              </a:rPr>
-              <a:t>joke</a:t>
-            </a:r>
-            <a:r>
-              <a:rPr lang="en-GB" sz="1800" b="0" dirty="0">
-                <a:solidFill>
-                  <a:srgbClr val="000000"/>
-                </a:solidFill>
-                <a:effectLst/>
-                <a:highlight>
-                  <a:srgbClr val="FFFFFF"/>
-                </a:highlight>
-              </a:rPr>
-              <a:t>:</a:t>
-            </a:r>
-            <a:r>
-              <a:rPr lang="en-GB" sz="1800" b="0" dirty="0">
-                <a:solidFill>
-                  <a:srgbClr val="3B3B3B"/>
-                </a:solidFill>
-                <a:effectLst/>
-                <a:highlight>
-                  <a:srgbClr val="FFFFFF"/>
-                </a:highlight>
-              </a:rPr>
-              <a:t> </a:t>
-            </a:r>
-            <a:r>
-              <a:rPr lang="en-GB" sz="1800" b="0" dirty="0">
-                <a:solidFill>
-                  <a:srgbClr val="267F99"/>
-                </a:solidFill>
-                <a:effectLst/>
-                <a:highlight>
-                  <a:srgbClr val="FFFFFF"/>
-                </a:highlight>
-              </a:rPr>
-              <a:t>string</a:t>
-            </a:r>
-            <a:r>
-              <a:rPr lang="en-GB" sz="1800" b="0" dirty="0">
-                <a:solidFill>
-                  <a:srgbClr val="3B3B3B"/>
-                </a:solidFill>
-                <a:effectLst/>
-                <a:highlight>
-                  <a:srgbClr val="FFFFFF"/>
-                </a:highlight>
-              </a:rPr>
-              <a:t> };</a:t>
-            </a:r>
-          </a:p>
-          <a:p>
-            <a:br>
-              <a:rPr lang="en-GB" sz="1800" b="0" dirty="0">
-                <a:solidFill>
-                  <a:srgbClr val="3B3B3B"/>
-                </a:solidFill>
-                <a:effectLst/>
-                <a:highlight>
-                  <a:srgbClr val="FFFFFF"/>
-                </a:highlight>
-              </a:rPr>
-            </a:br>
-            <a:r>
-              <a:rPr lang="en-GB" sz="1800" b="0" dirty="0" err="1">
-                <a:solidFill>
-                  <a:srgbClr val="0000FF"/>
-                </a:solidFill>
-                <a:effectLst/>
-                <a:highlight>
-                  <a:srgbClr val="FFFFFF"/>
-                </a:highlight>
-              </a:rPr>
-              <a:t>const</a:t>
-            </a:r>
-            <a:r>
-              <a:rPr lang="en-GB" sz="1800" b="0" dirty="0">
-                <a:solidFill>
-                  <a:srgbClr val="3B3B3B"/>
-                </a:solidFill>
-                <a:effectLst/>
-                <a:highlight>
-                  <a:srgbClr val="FFFFFF"/>
-                </a:highlight>
-              </a:rPr>
-              <a:t> </a:t>
-            </a:r>
-            <a:r>
-              <a:rPr lang="en-GB" sz="1800" b="0" dirty="0">
-                <a:solidFill>
-                  <a:srgbClr val="0070C1"/>
-                </a:solidFill>
-                <a:effectLst/>
-                <a:highlight>
-                  <a:srgbClr val="FFFFFF"/>
-                </a:highlight>
-              </a:rPr>
-              <a:t>model</a:t>
-            </a:r>
-            <a:r>
-              <a:rPr lang="en-GB" sz="1800" b="0" dirty="0">
-                <a:solidFill>
-                  <a:srgbClr val="3B3B3B"/>
-                </a:solidFill>
-                <a:effectLst/>
-                <a:highlight>
-                  <a:srgbClr val="FFFFFF"/>
-                </a:highlight>
-              </a:rPr>
-              <a:t> </a:t>
-            </a:r>
-            <a:r>
-              <a:rPr lang="en-GB" sz="1800" b="0" dirty="0">
-                <a:solidFill>
-                  <a:srgbClr val="000000"/>
-                </a:solidFill>
-                <a:effectLst/>
-                <a:highlight>
-                  <a:srgbClr val="FFFFFF"/>
-                </a:highlight>
-              </a:rPr>
-              <a:t>=</a:t>
-            </a:r>
-            <a:r>
-              <a:rPr lang="en-GB" sz="1800" b="0" dirty="0">
-                <a:solidFill>
-                  <a:srgbClr val="3B3B3B"/>
-                </a:solidFill>
-                <a:effectLst/>
-                <a:highlight>
-                  <a:srgbClr val="FFFFFF"/>
-                </a:highlight>
-              </a:rPr>
-              <a:t> </a:t>
-            </a:r>
-            <a:r>
-              <a:rPr lang="en-GB" sz="1800" b="0" dirty="0">
-                <a:solidFill>
-                  <a:srgbClr val="0000FF"/>
-                </a:solidFill>
-                <a:effectLst/>
-                <a:highlight>
-                  <a:srgbClr val="FFFFFF"/>
-                </a:highlight>
-              </a:rPr>
-              <a:t>new</a:t>
-            </a:r>
-            <a:r>
-              <a:rPr lang="en-GB" sz="1800" b="0" dirty="0">
-                <a:solidFill>
-                  <a:srgbClr val="3B3B3B"/>
-                </a:solidFill>
-                <a:effectLst/>
-                <a:highlight>
-                  <a:srgbClr val="FFFFFF"/>
-                </a:highlight>
-              </a:rPr>
-              <a:t> </a:t>
-            </a:r>
-            <a:r>
-              <a:rPr lang="en-GB" sz="1800" b="0" dirty="0" err="1">
-                <a:solidFill>
-                  <a:srgbClr val="795E26"/>
-                </a:solidFill>
-                <a:effectLst/>
-                <a:highlight>
-                  <a:srgbClr val="FFFFFF"/>
-                </a:highlight>
-              </a:rPr>
-              <a:t>ChatOpenAI</a:t>
-            </a:r>
-            <a:r>
-              <a:rPr lang="en-GB" sz="1800" b="0" dirty="0">
-                <a:solidFill>
-                  <a:srgbClr val="3B3B3B"/>
-                </a:solidFill>
-                <a:effectLst/>
-                <a:highlight>
-                  <a:srgbClr val="FFFFFF"/>
-                </a:highlight>
-              </a:rPr>
-              <a:t>({ </a:t>
-            </a:r>
-            <a:r>
-              <a:rPr lang="en-GB" sz="1800" b="0" dirty="0">
-                <a:solidFill>
-                  <a:srgbClr val="001080"/>
-                </a:solidFill>
-                <a:effectLst/>
-                <a:highlight>
-                  <a:srgbClr val="FFFFFF"/>
-                </a:highlight>
-              </a:rPr>
-              <a:t>model:</a:t>
-            </a:r>
-            <a:r>
-              <a:rPr lang="en-GB" sz="1800" b="0" dirty="0">
-                <a:solidFill>
-                  <a:srgbClr val="3B3B3B"/>
-                </a:solidFill>
-                <a:effectLst/>
-                <a:highlight>
-                  <a:srgbClr val="FFFFFF"/>
-                </a:highlight>
-              </a:rPr>
-              <a:t> </a:t>
-            </a:r>
-            <a:r>
-              <a:rPr lang="en-GB" sz="1800" b="0" dirty="0">
-                <a:solidFill>
-                  <a:srgbClr val="A31515"/>
-                </a:solidFill>
-                <a:effectLst/>
-                <a:highlight>
-                  <a:srgbClr val="FFFFFF"/>
-                </a:highlight>
-              </a:rPr>
-              <a:t>"gpt-4o-mini"</a:t>
-            </a:r>
-            <a:r>
-              <a:rPr lang="en-GB" sz="1800" b="0" dirty="0">
-                <a:solidFill>
-                  <a:srgbClr val="3B3B3B"/>
-                </a:solidFill>
-                <a:effectLst/>
-                <a:highlight>
-                  <a:srgbClr val="FFFFFF"/>
-                </a:highlight>
-              </a:rPr>
-              <a:t> });</a:t>
-            </a:r>
-          </a:p>
-          <a:p>
-            <a:r>
-              <a:rPr lang="en-GB" sz="1800" b="0" dirty="0" err="1">
-                <a:solidFill>
-                  <a:srgbClr val="0000FF"/>
-                </a:solidFill>
-                <a:effectLst/>
-                <a:highlight>
-                  <a:srgbClr val="FFFFFF"/>
-                </a:highlight>
-              </a:rPr>
-              <a:t>const</a:t>
-            </a:r>
-            <a:r>
-              <a:rPr lang="en-GB" sz="1800" b="0" dirty="0">
-                <a:solidFill>
-                  <a:srgbClr val="3B3B3B"/>
-                </a:solidFill>
-                <a:effectLst/>
-                <a:highlight>
-                  <a:srgbClr val="FFFFFF"/>
-                </a:highlight>
-              </a:rPr>
-              <a:t> </a:t>
-            </a:r>
-            <a:r>
-              <a:rPr lang="en-GB" sz="1800" b="0" dirty="0">
-                <a:solidFill>
-                  <a:srgbClr val="0070C1"/>
-                </a:solidFill>
-                <a:effectLst/>
-                <a:highlight>
-                  <a:srgbClr val="FFFFFF"/>
-                </a:highlight>
-              </a:rPr>
-              <a:t>prompt</a:t>
-            </a:r>
-            <a:r>
-              <a:rPr lang="en-GB" sz="1800" b="0" dirty="0">
-                <a:solidFill>
-                  <a:srgbClr val="3B3B3B"/>
-                </a:solidFill>
-                <a:effectLst/>
-                <a:highlight>
-                  <a:srgbClr val="FFFFFF"/>
-                </a:highlight>
-              </a:rPr>
-              <a:t> </a:t>
-            </a:r>
-            <a:r>
-              <a:rPr lang="en-GB" sz="1800" b="0" dirty="0">
-                <a:solidFill>
-                  <a:srgbClr val="000000"/>
-                </a:solidFill>
-                <a:effectLst/>
-                <a:highlight>
-                  <a:srgbClr val="FFFFFF"/>
-                </a:highlight>
-              </a:rPr>
-              <a:t>=</a:t>
-            </a:r>
-            <a:r>
-              <a:rPr lang="en-GB" sz="1800" b="0" dirty="0">
-                <a:solidFill>
-                  <a:srgbClr val="3B3B3B"/>
-                </a:solidFill>
-                <a:effectLst/>
-                <a:highlight>
-                  <a:srgbClr val="FFFFFF"/>
-                </a:highlight>
-              </a:rPr>
-              <a:t> </a:t>
-            </a:r>
-            <a:r>
-              <a:rPr lang="en-GB" sz="1800" b="0" dirty="0" err="1">
-                <a:solidFill>
-                  <a:srgbClr val="001080"/>
-                </a:solidFill>
-                <a:effectLst/>
-                <a:highlight>
-                  <a:srgbClr val="FFFFFF"/>
-                </a:highlight>
-              </a:rPr>
-              <a:t>ChatPromptTemplate</a:t>
-            </a:r>
-            <a:r>
-              <a:rPr lang="en-GB" sz="1800" b="0" dirty="0" err="1">
-                <a:solidFill>
-                  <a:srgbClr val="3B3B3B"/>
-                </a:solidFill>
-                <a:effectLst/>
-                <a:highlight>
-                  <a:srgbClr val="FFFFFF"/>
-                </a:highlight>
-              </a:rPr>
-              <a:t>.</a:t>
-            </a:r>
-            <a:r>
-              <a:rPr lang="en-GB" sz="1800" b="0" dirty="0" err="1">
-                <a:solidFill>
-                  <a:srgbClr val="795E26"/>
-                </a:solidFill>
-                <a:effectLst/>
-                <a:highlight>
-                  <a:srgbClr val="FFFFFF"/>
-                </a:highlight>
-              </a:rPr>
-              <a:t>fromTemplate</a:t>
-            </a:r>
-            <a:r>
-              <a:rPr lang="en-GB" sz="1800" b="0" dirty="0">
-                <a:solidFill>
-                  <a:srgbClr val="3B3B3B"/>
-                </a:solidFill>
-                <a:effectLst/>
-                <a:highlight>
-                  <a:srgbClr val="FFFFFF"/>
-                </a:highlight>
-              </a:rPr>
-              <a:t>(</a:t>
-            </a:r>
-          </a:p>
-          <a:p>
-            <a:r>
-              <a:rPr lang="en-GB" sz="1800" dirty="0">
-                <a:solidFill>
-                  <a:srgbClr val="3B3B3B"/>
-                </a:solidFill>
-                <a:highlight>
-                  <a:srgbClr val="FFFFFF"/>
-                </a:highlight>
-              </a:rPr>
-              <a:t>  </a:t>
-            </a:r>
-            <a:r>
-              <a:rPr lang="en-GB" sz="1800" b="0" dirty="0">
-                <a:solidFill>
-                  <a:srgbClr val="A31515"/>
-                </a:solidFill>
-                <a:effectLst/>
-                <a:highlight>
-                  <a:srgbClr val="FFFFFF"/>
-                </a:highlight>
-              </a:rPr>
-              <a:t>"Tell a joke about {topic}. Answer with valid JSON, containing one field: 'joke’”</a:t>
-            </a:r>
-            <a:r>
-              <a:rPr lang="en-GB" sz="1800" b="0" dirty="0">
-                <a:solidFill>
-                  <a:srgbClr val="3B3B3B"/>
-                </a:solidFill>
-                <a:effectLst/>
-                <a:highlight>
-                  <a:srgbClr val="FFFFFF"/>
-                </a:highlight>
-              </a:rPr>
-              <a:t>);</a:t>
-            </a:r>
-          </a:p>
-          <a:p>
-            <a:r>
-              <a:rPr lang="en-GB" sz="1800" b="0" dirty="0" err="1">
-                <a:solidFill>
-                  <a:srgbClr val="0000FF"/>
-                </a:solidFill>
-                <a:effectLst/>
-                <a:highlight>
-                  <a:srgbClr val="FFFFFF"/>
-                </a:highlight>
-              </a:rPr>
-              <a:t>const</a:t>
-            </a:r>
-            <a:r>
-              <a:rPr lang="en-GB" sz="1800" b="0" dirty="0">
-                <a:solidFill>
-                  <a:srgbClr val="3B3B3B"/>
-                </a:solidFill>
-                <a:effectLst/>
-                <a:highlight>
-                  <a:srgbClr val="FFFFFF"/>
-                </a:highlight>
-              </a:rPr>
-              <a:t> </a:t>
-            </a:r>
-            <a:r>
-              <a:rPr lang="en-GB" sz="1800" b="0" dirty="0">
-                <a:solidFill>
-                  <a:srgbClr val="0070C1"/>
-                </a:solidFill>
-                <a:effectLst/>
-                <a:highlight>
-                  <a:srgbClr val="FFFFFF"/>
-                </a:highlight>
-              </a:rPr>
-              <a:t>parser</a:t>
-            </a:r>
-            <a:r>
-              <a:rPr lang="en-GB" sz="1800" b="0" dirty="0">
-                <a:solidFill>
-                  <a:srgbClr val="3B3B3B"/>
-                </a:solidFill>
-                <a:effectLst/>
-                <a:highlight>
-                  <a:srgbClr val="FFFFFF"/>
-                </a:highlight>
-              </a:rPr>
-              <a:t> </a:t>
-            </a:r>
-            <a:r>
-              <a:rPr lang="en-GB" sz="1800" b="0" dirty="0">
-                <a:solidFill>
-                  <a:srgbClr val="000000"/>
-                </a:solidFill>
-                <a:effectLst/>
-                <a:highlight>
-                  <a:srgbClr val="FFFFFF"/>
-                </a:highlight>
-              </a:rPr>
-              <a:t>=</a:t>
-            </a:r>
-            <a:r>
-              <a:rPr lang="en-GB" sz="1800" b="0" dirty="0">
-                <a:solidFill>
-                  <a:srgbClr val="3B3B3B"/>
-                </a:solidFill>
-                <a:effectLst/>
-                <a:highlight>
-                  <a:srgbClr val="FFFFFF"/>
-                </a:highlight>
-              </a:rPr>
-              <a:t> </a:t>
-            </a:r>
-            <a:r>
-              <a:rPr lang="en-GB" sz="1800" b="0" dirty="0">
-                <a:solidFill>
-                  <a:srgbClr val="0000FF"/>
-                </a:solidFill>
-                <a:effectLst/>
-                <a:highlight>
-                  <a:srgbClr val="FFFFFF"/>
-                </a:highlight>
-              </a:rPr>
-              <a:t>new</a:t>
-            </a:r>
-            <a:r>
-              <a:rPr lang="en-GB" sz="1800" b="0" dirty="0">
-                <a:solidFill>
-                  <a:srgbClr val="3B3B3B"/>
-                </a:solidFill>
-                <a:effectLst/>
-                <a:highlight>
-                  <a:srgbClr val="FFFFFF"/>
-                </a:highlight>
-              </a:rPr>
-              <a:t> </a:t>
-            </a:r>
-            <a:r>
-              <a:rPr lang="en-GB" sz="1800" b="0" dirty="0" err="1">
-                <a:solidFill>
-                  <a:srgbClr val="795E26"/>
-                </a:solidFill>
-                <a:effectLst/>
-                <a:highlight>
-                  <a:srgbClr val="FFFFFF"/>
-                </a:highlight>
-              </a:rPr>
-              <a:t>JsonOutputParser</a:t>
-            </a:r>
-            <a:r>
-              <a:rPr lang="en-GB" sz="1800" b="0" dirty="0">
-                <a:solidFill>
-                  <a:srgbClr val="3B3B3B"/>
-                </a:solidFill>
-                <a:effectLst/>
-                <a:highlight>
-                  <a:srgbClr val="FFFFFF"/>
-                </a:highlight>
-              </a:rPr>
-              <a:t>&lt;</a:t>
-            </a:r>
-            <a:r>
-              <a:rPr lang="en-GB" sz="1800" b="0" dirty="0">
-                <a:solidFill>
-                  <a:srgbClr val="267F99"/>
-                </a:solidFill>
-                <a:effectLst/>
-                <a:highlight>
-                  <a:srgbClr val="FFFFFF"/>
-                </a:highlight>
-              </a:rPr>
-              <a:t>Joke</a:t>
-            </a:r>
-            <a:r>
-              <a:rPr lang="en-GB" sz="1800" b="0" dirty="0">
-                <a:solidFill>
-                  <a:srgbClr val="3B3B3B"/>
-                </a:solidFill>
-                <a:effectLst/>
-                <a:highlight>
-                  <a:srgbClr val="FFFFFF"/>
-                </a:highlight>
-              </a:rPr>
-              <a:t>&gt;();</a:t>
-            </a:r>
-          </a:p>
-          <a:p>
-            <a:br>
-              <a:rPr lang="en-GB" sz="1800" b="0" dirty="0">
-                <a:solidFill>
-                  <a:srgbClr val="3B3B3B"/>
-                </a:solidFill>
-                <a:effectLst/>
-                <a:highlight>
-                  <a:srgbClr val="FFFFFF"/>
-                </a:highlight>
-              </a:rPr>
-            </a:br>
-            <a:r>
-              <a:rPr lang="en-GB" sz="1800" b="0" dirty="0" err="1">
-                <a:solidFill>
-                  <a:srgbClr val="0000FF"/>
-                </a:solidFill>
-                <a:effectLst/>
-                <a:highlight>
-                  <a:srgbClr val="FFFFFF"/>
-                </a:highlight>
-              </a:rPr>
-              <a:t>const</a:t>
-            </a:r>
-            <a:r>
-              <a:rPr lang="en-GB" sz="1800" b="0" dirty="0">
-                <a:solidFill>
-                  <a:srgbClr val="3B3B3B"/>
-                </a:solidFill>
-                <a:effectLst/>
-                <a:highlight>
-                  <a:srgbClr val="FFFFFF"/>
-                </a:highlight>
-              </a:rPr>
-              <a:t> </a:t>
-            </a:r>
-            <a:r>
-              <a:rPr lang="en-GB" sz="1800" b="0" dirty="0">
-                <a:solidFill>
-                  <a:srgbClr val="0070C1"/>
-                </a:solidFill>
-                <a:effectLst/>
-                <a:highlight>
-                  <a:srgbClr val="FFFFFF"/>
-                </a:highlight>
-              </a:rPr>
-              <a:t>chain</a:t>
-            </a:r>
-            <a:r>
-              <a:rPr lang="en-GB" sz="1800" b="0" dirty="0">
-                <a:solidFill>
-                  <a:srgbClr val="3B3B3B"/>
-                </a:solidFill>
-                <a:effectLst/>
-                <a:highlight>
-                  <a:srgbClr val="FFFFFF"/>
-                </a:highlight>
-              </a:rPr>
-              <a:t> </a:t>
-            </a:r>
-            <a:r>
-              <a:rPr lang="en-GB" sz="1800" b="0" dirty="0">
-                <a:solidFill>
-                  <a:srgbClr val="000000"/>
-                </a:solidFill>
-                <a:effectLst/>
-                <a:highlight>
-                  <a:srgbClr val="FFFFFF"/>
-                </a:highlight>
-              </a:rPr>
-              <a:t>=</a:t>
-            </a:r>
-            <a:r>
-              <a:rPr lang="en-GB" sz="1800" b="0" dirty="0">
-                <a:solidFill>
-                  <a:srgbClr val="3B3B3B"/>
-                </a:solidFill>
-                <a:effectLst/>
-                <a:highlight>
-                  <a:srgbClr val="FFFFFF"/>
-                </a:highlight>
-              </a:rPr>
-              <a:t> </a:t>
-            </a:r>
-            <a:r>
-              <a:rPr lang="en-GB" sz="1800" b="0" dirty="0">
-                <a:solidFill>
-                  <a:srgbClr val="0070C1"/>
-                </a:solidFill>
-                <a:effectLst/>
-                <a:highlight>
-                  <a:srgbClr val="FFFFFF"/>
-                </a:highlight>
-              </a:rPr>
-              <a:t>prompt</a:t>
-            </a:r>
-            <a:endParaRPr lang="en-GB" sz="1800" b="0" dirty="0">
-              <a:solidFill>
-                <a:srgbClr val="3B3B3B"/>
-              </a:solidFill>
-              <a:effectLst/>
-              <a:highlight>
-                <a:srgbClr val="FFFFFF"/>
-              </a:highlight>
-            </a:endParaRPr>
-          </a:p>
-          <a:p>
-            <a:r>
-              <a:rPr lang="en-GB" sz="1800" b="0" dirty="0">
-                <a:solidFill>
-                  <a:srgbClr val="3B3B3B"/>
-                </a:solidFill>
-                <a:effectLst/>
-                <a:highlight>
-                  <a:srgbClr val="FFFFFF"/>
-                </a:highlight>
-              </a:rPr>
-              <a:t>  .</a:t>
-            </a:r>
-            <a:r>
-              <a:rPr lang="en-GB" sz="1800" b="0" dirty="0">
-                <a:solidFill>
-                  <a:srgbClr val="795E26"/>
-                </a:solidFill>
-                <a:effectLst/>
-                <a:highlight>
-                  <a:srgbClr val="FFFFFF"/>
-                </a:highlight>
-              </a:rPr>
-              <a:t>pipe</a:t>
-            </a:r>
-            <a:r>
-              <a:rPr lang="en-GB" sz="1800" b="0" dirty="0">
-                <a:solidFill>
-                  <a:srgbClr val="3B3B3B"/>
-                </a:solidFill>
-                <a:effectLst/>
-                <a:highlight>
-                  <a:srgbClr val="FFFFFF"/>
-                </a:highlight>
-              </a:rPr>
-              <a:t>(</a:t>
-            </a:r>
-            <a:r>
-              <a:rPr lang="en-GB" sz="1800" b="0" dirty="0">
-                <a:solidFill>
-                  <a:srgbClr val="0070C1"/>
-                </a:solidFill>
-                <a:effectLst/>
-                <a:highlight>
-                  <a:srgbClr val="FFFFFF"/>
-                </a:highlight>
-              </a:rPr>
-              <a:t>model</a:t>
-            </a:r>
-            <a:r>
-              <a:rPr lang="en-GB" sz="1800" b="0" dirty="0">
-                <a:solidFill>
-                  <a:srgbClr val="3B3B3B"/>
-                </a:solidFill>
-                <a:effectLst/>
-                <a:highlight>
-                  <a:srgbClr val="FFFFFF"/>
-                </a:highlight>
-              </a:rPr>
-              <a:t>)</a:t>
-            </a:r>
-          </a:p>
-          <a:p>
-            <a:r>
-              <a:rPr lang="en-GB" sz="1800" b="0" dirty="0">
-                <a:solidFill>
-                  <a:srgbClr val="3B3B3B"/>
-                </a:solidFill>
-                <a:effectLst/>
-                <a:highlight>
-                  <a:srgbClr val="FFFFFF"/>
-                </a:highlight>
-              </a:rPr>
-              <a:t>  .</a:t>
-            </a:r>
-            <a:r>
-              <a:rPr lang="en-GB" sz="1800" b="0" dirty="0">
-                <a:solidFill>
-                  <a:srgbClr val="795E26"/>
-                </a:solidFill>
-                <a:effectLst/>
-                <a:highlight>
-                  <a:srgbClr val="FFFFFF"/>
-                </a:highlight>
-              </a:rPr>
-              <a:t>pipe</a:t>
-            </a:r>
-            <a:r>
-              <a:rPr lang="en-GB" sz="1800" b="0" dirty="0">
-                <a:solidFill>
-                  <a:srgbClr val="3B3B3B"/>
-                </a:solidFill>
-                <a:effectLst/>
-                <a:highlight>
-                  <a:srgbClr val="FFFFFF"/>
-                </a:highlight>
-              </a:rPr>
-              <a:t>(</a:t>
-            </a:r>
-            <a:r>
-              <a:rPr lang="en-GB" sz="1800" b="0" dirty="0">
-                <a:solidFill>
-                  <a:srgbClr val="0070C1"/>
-                </a:solidFill>
-                <a:effectLst/>
-                <a:highlight>
-                  <a:srgbClr val="FFFFFF"/>
-                </a:highlight>
-              </a:rPr>
-              <a:t>parser</a:t>
-            </a:r>
-            <a:r>
-              <a:rPr lang="en-GB" sz="1800" b="0" dirty="0">
-                <a:solidFill>
-                  <a:srgbClr val="3B3B3B"/>
-                </a:solidFill>
-                <a:effectLst/>
-                <a:highlight>
-                  <a:srgbClr val="FFFFFF"/>
-                </a:highlight>
-              </a:rPr>
-              <a:t>);</a:t>
-            </a:r>
-          </a:p>
-          <a:p>
-            <a:br>
-              <a:rPr lang="en-GB" sz="1800" b="0" dirty="0">
-                <a:solidFill>
-                  <a:srgbClr val="3B3B3B"/>
-                </a:solidFill>
-                <a:effectLst/>
-                <a:highlight>
-                  <a:srgbClr val="FFFFFF"/>
-                </a:highlight>
-              </a:rPr>
-            </a:br>
-            <a:r>
-              <a:rPr lang="en-GB" sz="1800" b="0" dirty="0">
-                <a:solidFill>
-                  <a:srgbClr val="AF00DB"/>
-                </a:solidFill>
-                <a:effectLst/>
-                <a:highlight>
-                  <a:srgbClr val="FFFFFF"/>
-                </a:highlight>
-              </a:rPr>
-              <a:t>await</a:t>
-            </a:r>
-            <a:r>
-              <a:rPr lang="en-GB" sz="1800" b="0" dirty="0">
-                <a:solidFill>
-                  <a:srgbClr val="3B3B3B"/>
-                </a:solidFill>
-                <a:effectLst/>
-                <a:highlight>
-                  <a:srgbClr val="FFFFFF"/>
-                </a:highlight>
-              </a:rPr>
-              <a:t> </a:t>
-            </a:r>
-            <a:r>
-              <a:rPr lang="en-GB" sz="1800" b="0" dirty="0" err="1">
-                <a:solidFill>
-                  <a:srgbClr val="0070C1"/>
-                </a:solidFill>
-                <a:effectLst/>
-                <a:highlight>
-                  <a:srgbClr val="FFFFFF"/>
-                </a:highlight>
-              </a:rPr>
-              <a:t>chain</a:t>
-            </a:r>
-            <a:r>
-              <a:rPr lang="en-GB" sz="1800" b="0" dirty="0" err="1">
-                <a:solidFill>
-                  <a:srgbClr val="3B3B3B"/>
-                </a:solidFill>
-                <a:effectLst/>
-                <a:highlight>
-                  <a:srgbClr val="FFFFFF"/>
-                </a:highlight>
-              </a:rPr>
-              <a:t>.</a:t>
-            </a:r>
-            <a:r>
-              <a:rPr lang="en-GB" sz="1800" b="0" dirty="0" err="1">
-                <a:solidFill>
-                  <a:srgbClr val="795E26"/>
-                </a:solidFill>
-                <a:effectLst/>
-                <a:highlight>
-                  <a:srgbClr val="FFFFFF"/>
-                </a:highlight>
-              </a:rPr>
-              <a:t>invoke</a:t>
-            </a:r>
-            <a:r>
-              <a:rPr lang="en-GB" sz="1800" b="0" dirty="0">
-                <a:solidFill>
-                  <a:srgbClr val="3B3B3B"/>
-                </a:solidFill>
-                <a:effectLst/>
-                <a:highlight>
-                  <a:srgbClr val="FFFFFF"/>
-                </a:highlight>
-              </a:rPr>
-              <a:t>({ </a:t>
-            </a:r>
-            <a:r>
-              <a:rPr lang="en-GB" sz="1800" b="0" dirty="0">
-                <a:solidFill>
-                  <a:srgbClr val="001080"/>
-                </a:solidFill>
-                <a:effectLst/>
-                <a:highlight>
-                  <a:srgbClr val="FFFFFF"/>
-                </a:highlight>
-              </a:rPr>
-              <a:t>topic:</a:t>
-            </a:r>
-            <a:r>
-              <a:rPr lang="en-GB" sz="1800" b="0" dirty="0">
-                <a:solidFill>
-                  <a:srgbClr val="3B3B3B"/>
-                </a:solidFill>
-                <a:effectLst/>
-                <a:highlight>
-                  <a:srgbClr val="FFFFFF"/>
-                </a:highlight>
-              </a:rPr>
-              <a:t> </a:t>
-            </a:r>
-            <a:r>
-              <a:rPr lang="en-GB" sz="1800" b="0" dirty="0">
-                <a:solidFill>
-                  <a:srgbClr val="A31515"/>
-                </a:solidFill>
-                <a:effectLst/>
-                <a:highlight>
-                  <a:srgbClr val="FFFFFF"/>
-                </a:highlight>
-              </a:rPr>
-              <a:t>"bears"</a:t>
-            </a:r>
-            <a:r>
-              <a:rPr lang="en-GB" sz="1800" b="0" dirty="0">
-                <a:solidFill>
-                  <a:srgbClr val="3B3B3B"/>
-                </a:solidFill>
-                <a:effectLst/>
-                <a:highlight>
-                  <a:srgbClr val="FFFFFF"/>
-                </a:highlight>
-              </a:rPr>
-              <a:t> });</a:t>
+              <a:rPr lang="en-US" dirty="0"/>
+              <a:t>Compose processing sequences</a:t>
+            </a:r>
+          </a:p>
+        </p:txBody>
+      </p:sp>
+      <p:sp>
+        <p:nvSpPr>
+          <p:cNvPr id="2" name="Title 1">
+            <a:extLst>
+              <a:ext uri="{FF2B5EF4-FFF2-40B4-BE49-F238E27FC236}">
+                <a16:creationId xmlns:a16="http://schemas.microsoft.com/office/drawing/2014/main" id="{AC71A9FE-7C82-B1E4-1BEE-9E455C1D6482}"/>
+              </a:ext>
+            </a:extLst>
+          </p:cNvPr>
+          <p:cNvSpPr>
+            <a:spLocks noGrp="1"/>
+          </p:cNvSpPr>
+          <p:nvPr>
+            <p:ph type="title"/>
+          </p:nvPr>
+        </p:nvSpPr>
+        <p:spPr/>
+        <p:txBody>
+          <a:bodyPr/>
+          <a:lstStyle/>
+          <a:p>
+            <a:r>
+              <a:rPr lang="en-US" dirty="0"/>
+              <a:t>Runnable and chains</a:t>
             </a:r>
           </a:p>
         </p:txBody>
@@ -35442,6 +35965,9 @@
               <a:ext uri="{FF2B5EF4-FFF2-40B4-BE49-F238E27FC236}">
                 <a16:creationId xmlns:a16="http://schemas.microsoft.com/office/drawing/2014/main" id="{F46F99B7-E7D2-C633-B03D-2FC895DC2CE3}"/>
               </a:ext>
+              <a:ext uri="{C183D7F6-B498-43B3-948B-1728B52AA6E4}">
+                <adec:decorative xmlns:adec="http://schemas.microsoft.com/office/drawing/2017/decorative" val="1"/>
+              </a:ext>
             </a:extLst>
           </p:cNvPr>
           <p:cNvSpPr/>

--- a/slides/04-langchainjs.pptx
+++ b/slides/04-langchainjs.pptx
@@ -7334,7 +7334,7 @@
           <a:p>
             <a:fld id="{855B53BB-9CA8-4E36-AA7C-C10D869BF69A}" type="datetimeFigureOut">
               <a:rPr lang="en-US" smtClean="0"/>
-              <a:t>9/27/24</a:t>
+              <a:t>9/30/24</a:t>
             </a:fld>
             <a:endParaRPr lang="en-US"/>
           </a:p>
@@ -8348,16 +8348,6 @@
               <a:buNone/>
             </a:pPr>
             <a:r>
-              <a:rPr lang="en-GB" b="0" i="0">
-                <a:solidFill>
-                  <a:srgbClr val="000000"/>
-                </a:solidFill>
-                <a:effectLst/>
-                <a:latin typeface="Segoe Sans Text" pitchFamily="2" charset="0"/>
-              </a:rPr>
-              <a:t>If </a:t>
-            </a:r>
-            <a:r>
               <a:rPr lang="en-GB" b="0" i="0" dirty="0">
                 <a:solidFill>
                   <a:srgbClr val="000000"/>
@@ -8365,7 +8355,7 @@
                 <a:effectLst/>
                 <a:latin typeface="Segoe Sans Text" pitchFamily="2" charset="0"/>
               </a:rPr>
-              <a:t>you want to take a closer look at this demo, you’ll find the link to the </a:t>
+              <a:t>If you want to take a closer look at this demo, you’ll find the link to the </a:t>
             </a:r>
             <a:r>
               <a:rPr lang="en-GB" b="0" i="0" dirty="0" err="1">
@@ -8407,6 +8397,16 @@
               <a:buNone/>
             </a:pPr>
             <a:r>
+              <a:rPr lang="en-GB" b="0" i="1">
+                <a:solidFill>
+                  <a:srgbClr val="000000"/>
+                </a:solidFill>
+                <a:effectLst/>
+                <a:latin typeface="Segoe Sans Text" pitchFamily="2" charset="0"/>
+              </a:rPr>
+              <a:t>Next session: </a:t>
+            </a:r>
+            <a:r>
               <a:rPr lang="en-GB" b="0" i="1" dirty="0">
                 <a:solidFill>
                   <a:srgbClr val="000000"/>
@@ -8414,7 +8414,7 @@
                 <a:effectLst/>
                 <a:latin typeface="Segoe Sans Text" pitchFamily="2" charset="0"/>
               </a:rPr>
-              <a:t>Next video: we’ll detail how you can install and use local AI models on your machine using </a:t>
+              <a:t>we’ll detail how you can install and use local AI models on your machine using </a:t>
             </a:r>
             <a:r>
               <a:rPr lang="en-GB" b="0" i="1" dirty="0" err="1">
@@ -9690,7 +9690,7 @@
                 <a:tabLst/>
                 <a:defRPr/>
               </a:pPr>
-              <a:t>9/27/24 3:37 PM</a:t>
+              <a:t>9/30/24 2:15 PM</a:t>
             </a:fld>
             <a:endParaRPr kumimoji="0" lang="en-US" sz="1200" b="0" i="0" u="none" strike="noStrike" kern="1200" cap="none" spc="0" normalizeH="0" baseline="0" noProof="0">
               <a:ln>
@@ -10142,7 +10142,7 @@
                 <a:tabLst/>
                 <a:defRPr/>
               </a:pPr>
-              <a:t>9/27/24 3:37 PM</a:t>
+              <a:t>9/30/24 2:15 PM</a:t>
             </a:fld>
             <a:endParaRPr kumimoji="0" lang="en-US" sz="1200" b="0" i="0" u="none" strike="noStrike" kern="1200" cap="none" spc="0" normalizeH="0" baseline="0" noProof="0">
               <a:ln>
